--- a/materials/slides/ch04/03 引入测试框架.pptx
+++ b/materials/slides/ch04/03 引入测试框架.pptx
@@ -20,9 +20,9 @@
     <p:sldId id="307" r:id="rId11"/>
     <p:sldId id="303" r:id="rId12"/>
     <p:sldId id="304" r:id="rId13"/>
-    <p:sldId id="305" r:id="rId14"/>
-    <p:sldId id="308" r:id="rId15"/>
-    <p:sldId id="309" r:id="rId16"/>
+    <p:sldId id="308" r:id="rId14"/>
+    <p:sldId id="317" r:id="rId15"/>
+    <p:sldId id="318" r:id="rId16"/>
     <p:sldId id="311" r:id="rId17"/>
   </p:sldIdLst>
   <p:sldSz cx="9144000" cy="5143500" type="screen16x9"/>
@@ -122,6 +122,22 @@
       </a:defRPr>
     </a:lvl9pPr>
   </p:defaultTextStyle>
+  <p:extLst>
+    <p:ext uri="{EFAFB233-063F-42B5-8137-9DF3F51BA10A}">
+      <p15:sldGuideLst xmlns:p15="http://schemas.microsoft.com/office/powerpoint/2012/main">
+        <p15:guide id="1" orient="horz" pos="1620">
+          <p15:clr>
+            <a:srgbClr val="A4A3A4"/>
+          </p15:clr>
+        </p15:guide>
+        <p15:guide id="2" pos="2880">
+          <p15:clr>
+            <a:srgbClr val="A4A3A4"/>
+          </p15:clr>
+        </p15:guide>
+      </p15:sldGuideLst>
+    </p:ext>
+  </p:extLst>
 </p:presentation>
 </file>
 
@@ -207,7 +223,7 @@
           <a:p>
             <a:fld id="{E45DE43E-AE57-4683-A429-3F46F1978ACA}" type="datetimeFigureOut">
               <a:rPr lang="zh-CN" altLang="en-US" smtClean="0"/>
-              <a:t>2018/10/24</a:t>
+              <a:t>2020/9/17</a:t>
             </a:fld>
             <a:endParaRPr lang="zh-CN" altLang="en-US"/>
           </a:p>
@@ -271,38 +287,37 @@
           <a:p>
             <a:pPr lvl="0"/>
             <a:r>
-              <a:rPr lang="zh-CN" altLang="en-US" smtClean="0"/>
+              <a:rPr lang="zh-CN" altLang="en-US"/>
               <a:t>单击此处编辑母版文本样式</a:t>
             </a:r>
           </a:p>
           <a:p>
             <a:pPr lvl="1"/>
             <a:r>
-              <a:rPr lang="zh-CN" altLang="en-US" smtClean="0"/>
+              <a:rPr lang="zh-CN" altLang="en-US"/>
               <a:t>第二级</a:t>
             </a:r>
           </a:p>
           <a:p>
             <a:pPr lvl="2"/>
             <a:r>
-              <a:rPr lang="zh-CN" altLang="en-US" smtClean="0"/>
+              <a:rPr lang="zh-CN" altLang="en-US"/>
               <a:t>第三级</a:t>
             </a:r>
           </a:p>
           <a:p>
             <a:pPr lvl="3"/>
             <a:r>
-              <a:rPr lang="zh-CN" altLang="en-US" smtClean="0"/>
+              <a:rPr lang="zh-CN" altLang="en-US"/>
               <a:t>第四级</a:t>
             </a:r>
           </a:p>
           <a:p>
             <a:pPr lvl="4"/>
             <a:r>
-              <a:rPr lang="zh-CN" altLang="en-US" smtClean="0"/>
+              <a:rPr lang="zh-CN" altLang="en-US"/>
               <a:t>第五级</a:t>
             </a:r>
-            <a:endParaRPr lang="zh-CN" altLang="en-US"/>
           </a:p>
         </p:txBody>
       </p:sp>
@@ -537,19 +552,19 @@
               <a:defRPr/>
             </a:pPr>
             <a:r>
-              <a:rPr lang="zh-CN" altLang="en-US" b="1" dirty="0" smtClean="0"/>
+              <a:rPr lang="zh-CN" altLang="en-US" b="1" dirty="0"/>
               <a:t>重写（</a:t>
             </a:r>
             <a:r>
-              <a:rPr lang="en-US" altLang="zh-CN" b="1" dirty="0" smtClean="0"/>
+              <a:rPr lang="en-US" altLang="zh-CN" b="1" dirty="0"/>
               <a:t>Override</a:t>
             </a:r>
             <a:r>
-              <a:rPr lang="zh-CN" altLang="en-US" b="1" dirty="0" smtClean="0"/>
+              <a:rPr lang="zh-CN" altLang="en-US" b="1" dirty="0"/>
               <a:t>）与重载</a:t>
             </a:r>
             <a:r>
-              <a:rPr lang="en-US" altLang="zh-CN" b="1" dirty="0" smtClean="0"/>
+              <a:rPr lang="en-US" altLang="zh-CN" b="1" dirty="0"/>
               <a:t>(Overload)</a:t>
             </a:r>
           </a:p>
@@ -748,7 +763,7 @@
           <a:p>
             <a:fld id="{9FE46159-298F-49F6-A69B-FA3570BA1A21}" type="slidenum">
               <a:rPr lang="zh-CN" altLang="en-US" smtClean="0"/>
-              <a:t>14</a:t>
+              <a:t>13</a:t>
             </a:fld>
             <a:endParaRPr lang="zh-CN" altLang="en-US"/>
           </a:p>
@@ -801,7 +816,7 @@
           <a:p>
             <a:fld id="{530820CF-B880-4189-942D-D702A7CBA730}" type="datetimeFigureOut">
               <a:rPr lang="zh-CN" altLang="en-US" smtClean="0"/>
-              <a:t>2018/10/24</a:t>
+              <a:t>2020/9/17</a:t>
             </a:fld>
             <a:endParaRPr lang="zh-CN" altLang="en-US"/>
           </a:p>
@@ -974,7 +989,7 @@
           </a:lstStyle>
           <a:p>
             <a:r>
-              <a:rPr lang="zh-CN" altLang="en-US" smtClean="0"/>
+              <a:rPr lang="zh-CN" altLang="en-US"/>
               <a:t>单击此处编辑母版标题样式</a:t>
             </a:r>
             <a:endParaRPr lang="zh-CN" altLang="en-US" dirty="0"/>
@@ -1093,10 +1108,9 @@
           </a:lstStyle>
           <a:p>
             <a:r>
-              <a:rPr lang="zh-CN" altLang="en-US" smtClean="0"/>
+              <a:rPr lang="zh-CN" altLang="en-US"/>
               <a:t>单击此处编辑母版副标题样式</a:t>
             </a:r>
-            <a:endParaRPr lang="zh-CN" altLang="en-US"/>
           </a:p>
         </p:txBody>
       </p:sp>
@@ -1147,35 +1161,35 @@
           <a:p>
             <a:pPr lvl="0"/>
             <a:r>
-              <a:rPr lang="zh-CN" altLang="en-US" smtClean="0"/>
+              <a:rPr lang="zh-CN" altLang="en-US"/>
               <a:t>单击此处编辑母版文本样式</a:t>
             </a:r>
           </a:p>
           <a:p>
             <a:pPr lvl="1"/>
             <a:r>
-              <a:rPr lang="zh-CN" altLang="en-US" smtClean="0"/>
+              <a:rPr lang="zh-CN" altLang="en-US"/>
               <a:t>第二级</a:t>
             </a:r>
           </a:p>
           <a:p>
             <a:pPr lvl="2"/>
             <a:r>
-              <a:rPr lang="zh-CN" altLang="en-US" smtClean="0"/>
+              <a:rPr lang="zh-CN" altLang="en-US"/>
               <a:t>第三级</a:t>
             </a:r>
           </a:p>
           <a:p>
             <a:pPr lvl="3"/>
             <a:r>
-              <a:rPr lang="zh-CN" altLang="en-US" smtClean="0"/>
+              <a:rPr lang="zh-CN" altLang="en-US"/>
               <a:t>第四级</a:t>
             </a:r>
           </a:p>
           <a:p>
             <a:pPr lvl="4"/>
             <a:r>
-              <a:rPr lang="zh-CN" altLang="en-US" smtClean="0"/>
+              <a:rPr lang="zh-CN" altLang="en-US"/>
               <a:t>第五级</a:t>
             </a:r>
             <a:endParaRPr lang="zh-CN" altLang="en-US" dirty="0"/>
@@ -1199,7 +1213,7 @@
           <a:p>
             <a:fld id="{530820CF-B880-4189-942D-D702A7CBA730}" type="datetimeFigureOut">
               <a:rPr lang="zh-CN" altLang="en-US" smtClean="0"/>
-              <a:t>2018/10/24</a:t>
+              <a:t>2020/9/17</a:t>
             </a:fld>
             <a:endParaRPr lang="zh-CN" altLang="en-US"/>
           </a:p>
@@ -1326,7 +1340,7 @@
           </a:lstStyle>
           <a:p>
             <a:r>
-              <a:rPr lang="zh-CN" altLang="en-US" smtClean="0"/>
+              <a:rPr lang="zh-CN" altLang="en-US"/>
               <a:t>单击此处编辑母版标题样式</a:t>
             </a:r>
             <a:endParaRPr lang="zh-CN" altLang="en-US" dirty="0"/>
@@ -1411,35 +1425,35 @@
           <a:p>
             <a:pPr lvl="0"/>
             <a:r>
-              <a:rPr lang="zh-CN" altLang="en-US" smtClean="0"/>
+              <a:rPr lang="zh-CN" altLang="en-US"/>
               <a:t>单击此处编辑母版文本样式</a:t>
             </a:r>
           </a:p>
           <a:p>
             <a:pPr lvl="1"/>
             <a:r>
-              <a:rPr lang="zh-CN" altLang="en-US" smtClean="0"/>
+              <a:rPr lang="zh-CN" altLang="en-US"/>
               <a:t>第二级</a:t>
             </a:r>
           </a:p>
           <a:p>
             <a:pPr lvl="2"/>
             <a:r>
-              <a:rPr lang="zh-CN" altLang="en-US" smtClean="0"/>
+              <a:rPr lang="zh-CN" altLang="en-US"/>
               <a:t>第三级</a:t>
             </a:r>
           </a:p>
           <a:p>
             <a:pPr lvl="3"/>
             <a:r>
-              <a:rPr lang="zh-CN" altLang="en-US" smtClean="0"/>
+              <a:rPr lang="zh-CN" altLang="en-US"/>
               <a:t>第四级</a:t>
             </a:r>
           </a:p>
           <a:p>
             <a:pPr lvl="4"/>
             <a:r>
-              <a:rPr lang="zh-CN" altLang="en-US" smtClean="0"/>
+              <a:rPr lang="zh-CN" altLang="en-US"/>
               <a:t>第五级</a:t>
             </a:r>
             <a:endParaRPr lang="zh-CN" altLang="en-US" dirty="0"/>
@@ -1520,10 +1534,9 @@
           </a:lstStyle>
           <a:p>
             <a:r>
-              <a:rPr lang="zh-CN" altLang="en-US" dirty="0" smtClean="0"/>
+              <a:rPr lang="zh-CN" altLang="en-US" dirty="0"/>
               <a:t>单击此处编辑母版标题样式</a:t>
             </a:r>
-            <a:endParaRPr lang="zh-CN" altLang="en-US" dirty="0"/>
           </a:p>
         </p:txBody>
       </p:sp>
@@ -1583,13 +1596,6 @@
   <p:clrMapOvr>
     <a:masterClrMapping/>
   </p:clrMapOvr>
-  <p:timing>
-    <p:tnLst>
-      <p:par>
-        <p:cTn id="1" dur="indefinite" restart="never" nodeType="tmRoot"/>
-      </p:par>
-    </p:tnLst>
-  </p:timing>
 </p:sldLayout>
 </file>
 
@@ -1641,10 +1647,9 @@
           <a:lstStyle/>
           <a:p>
             <a:r>
-              <a:rPr lang="zh-CN" altLang="en-US" smtClean="0"/>
+              <a:rPr lang="zh-CN" altLang="en-US"/>
               <a:t>单击此处编辑母版标题样式</a:t>
             </a:r>
-            <a:endParaRPr lang="zh-CN" altLang="en-US"/>
           </a:p>
         </p:txBody>
       </p:sp>
@@ -1675,38 +1680,37 @@
           <a:p>
             <a:pPr lvl="0"/>
             <a:r>
-              <a:rPr lang="zh-CN" altLang="en-US" smtClean="0"/>
+              <a:rPr lang="zh-CN" altLang="en-US"/>
               <a:t>单击此处编辑母版文本样式</a:t>
             </a:r>
           </a:p>
           <a:p>
             <a:pPr lvl="1"/>
             <a:r>
-              <a:rPr lang="zh-CN" altLang="en-US" smtClean="0"/>
+              <a:rPr lang="zh-CN" altLang="en-US"/>
               <a:t>第二级</a:t>
             </a:r>
           </a:p>
           <a:p>
             <a:pPr lvl="2"/>
             <a:r>
-              <a:rPr lang="zh-CN" altLang="en-US" smtClean="0"/>
+              <a:rPr lang="zh-CN" altLang="en-US"/>
               <a:t>第三级</a:t>
             </a:r>
           </a:p>
           <a:p>
             <a:pPr lvl="3"/>
             <a:r>
-              <a:rPr lang="zh-CN" altLang="en-US" smtClean="0"/>
+              <a:rPr lang="zh-CN" altLang="en-US"/>
               <a:t>第四级</a:t>
             </a:r>
           </a:p>
           <a:p>
             <a:pPr lvl="4"/>
             <a:r>
-              <a:rPr lang="zh-CN" altLang="en-US" smtClean="0"/>
+              <a:rPr lang="zh-CN" altLang="en-US"/>
               <a:t>第五级</a:t>
             </a:r>
-            <a:endParaRPr lang="zh-CN" altLang="en-US"/>
           </a:p>
         </p:txBody>
       </p:sp>
@@ -1745,7 +1749,7 @@
           <a:p>
             <a:fld id="{530820CF-B880-4189-942D-D702A7CBA730}" type="datetimeFigureOut">
               <a:rPr lang="zh-CN" altLang="en-US" smtClean="0"/>
-              <a:t>2018/10/24</a:t>
+              <a:t>2020/9/17</a:t>
             </a:fld>
             <a:endParaRPr lang="zh-CN" altLang="en-US"/>
           </a:p>
@@ -2124,13 +2128,8 @@
           <a:p>
             <a:r>
               <a:rPr lang="zh-CN" altLang="en-US" dirty="0"/>
-              <a:t>接口测试</a:t>
-            </a:r>
-            <a:r>
-              <a:rPr lang="zh-CN" altLang="en-US" dirty="0" smtClean="0"/>
-              <a:t>自动化</a:t>
-            </a:r>
-            <a:endParaRPr lang="zh-CN" altLang="en-US" dirty="0"/>
+              <a:t>接口测试自动化</a:t>
+            </a:r>
           </a:p>
         </p:txBody>
       </p:sp>
@@ -2150,7 +2149,7 @@
           <a:lstStyle/>
           <a:p>
             <a:r>
-              <a:rPr lang="en-US" altLang="zh-CN" dirty="0" smtClean="0">
+              <a:rPr lang="en-US" altLang="zh-CN" dirty="0">
                 <a:solidFill>
                   <a:schemeClr val="bg1"/>
                 </a:solidFill>
@@ -2158,18 +2157,13 @@
               <a:t>			</a:t>
             </a:r>
             <a:r>
-              <a:rPr lang="zh-CN" altLang="en-US" dirty="0" smtClean="0">
+              <a:rPr lang="zh-CN" altLang="en-US" dirty="0">
                 <a:solidFill>
                   <a:schemeClr val="bg1"/>
                 </a:solidFill>
               </a:rPr>
               <a:t>引入测试框架</a:t>
             </a:r>
-            <a:endParaRPr lang="zh-CN" altLang="en-US" dirty="0">
-              <a:solidFill>
-                <a:schemeClr val="bg1"/>
-              </a:solidFill>
-            </a:endParaRPr>
           </a:p>
         </p:txBody>
       </p:sp>
@@ -2183,13 +2177,6 @@
   <p:clrMapOvr>
     <a:masterClrMapping/>
   </p:clrMapOvr>
-  <p:timing>
-    <p:tnLst>
-      <p:par>
-        <p:cTn id="1" dur="indefinite" restart="never" nodeType="tmRoot"/>
-      </p:par>
-    </p:tnLst>
-  </p:timing>
 </p:sld>
 </file>
 
@@ -2233,10 +2220,10 @@
           <a:lstStyle/>
           <a:p>
             <a:r>
-              <a:rPr lang="zh-CN" altLang="en-US" sz="3800" dirty="0" smtClean="0"/>
+              <a:rPr lang="zh-CN" altLang="en-US" sz="3800" dirty="0"/>
               <a:t>给测试方法增加分组属性</a:t>
             </a:r>
-            <a:endParaRPr lang="en-US" altLang="zh-CN" sz="3800" dirty="0" smtClean="0"/>
+            <a:endParaRPr lang="en-US" altLang="zh-CN" sz="3800" dirty="0"/>
           </a:p>
           <a:p>
             <a:pPr marL="400050" lvl="1" indent="0">
@@ -2418,14 +2405,13 @@
               <a:rPr lang="en-US" altLang="zh-CN" dirty="0"/>
               <a:t>}</a:t>
             </a:r>
-            <a:endParaRPr lang="en-US" altLang="zh-CN" dirty="0" smtClean="0"/>
-          </a:p>
-          <a:p>
-            <a:r>
-              <a:rPr lang="zh-CN" altLang="en-US" sz="3800" dirty="0" smtClean="0"/>
+          </a:p>
+          <a:p>
+            <a:r>
+              <a:rPr lang="zh-CN" altLang="en-US" sz="3800" dirty="0"/>
               <a:t>给测试方法增加依赖关系</a:t>
             </a:r>
-            <a:endParaRPr lang="en-US" altLang="zh-CN" sz="3800" dirty="0" smtClean="0"/>
+            <a:endParaRPr lang="en-US" altLang="zh-CN" sz="3800" dirty="0"/>
           </a:p>
           <a:p>
             <a:pPr marL="400050" lvl="1" indent="0">
@@ -2458,11 +2444,7 @@
             </a:pPr>
             <a:r>
               <a:rPr lang="en-US" altLang="zh-CN" sz="2900" b="1" dirty="0"/>
-              <a:t>public void method1() </a:t>
-            </a:r>
-            <a:r>
-              <a:rPr lang="en-US" altLang="zh-CN" sz="2900" b="1" dirty="0" smtClean="0"/>
-              <a:t>{</a:t>
+              <a:t>public void method1() {</a:t>
             </a:r>
           </a:p>
           <a:p>
@@ -2470,10 +2452,10 @@
               <a:buNone/>
             </a:pPr>
             <a:r>
-              <a:rPr lang="en-US" altLang="zh-CN" sz="2900" b="1" dirty="0" smtClean="0"/>
+              <a:rPr lang="en-US" altLang="zh-CN" sz="2900" b="1" dirty="0"/>
               <a:t>}</a:t>
             </a:r>
-            <a:endParaRPr lang="en-US" altLang="zh-CN" sz="4600" dirty="0" smtClean="0"/>
+            <a:endParaRPr lang="en-US" altLang="zh-CN" sz="4600" dirty="0"/>
           </a:p>
           <a:p>
             <a:endParaRPr lang="en-US" altLang="zh-CN" dirty="0"/>
@@ -2509,14 +2491,13 @@
               <a:t>基础：</a:t>
             </a:r>
             <a:r>
-              <a:rPr lang="en-US" altLang="zh-CN" dirty="0" smtClean="0"/>
+              <a:rPr lang="en-US" altLang="zh-CN" dirty="0"/>
               <a:t>Test</a:t>
             </a:r>
             <a:r>
-              <a:rPr lang="zh-CN" altLang="en-US" dirty="0" smtClean="0"/>
+              <a:rPr lang="zh-CN" altLang="en-US" dirty="0"/>
               <a:t>属性使用</a:t>
             </a:r>
-            <a:endParaRPr lang="zh-CN" altLang="en-US" dirty="0"/>
           </a:p>
         </p:txBody>
       </p:sp>
@@ -2530,13 +2511,6 @@
   <p:clrMapOvr>
     <a:masterClrMapping/>
   </p:clrMapOvr>
-  <p:timing>
-    <p:tnLst>
-      <p:par>
-        <p:cTn id="1" dur="indefinite" restart="never" nodeType="tmRoot"/>
-      </p:par>
-    </p:tnLst>
-  </p:timing>
 </p:sld>
 </file>
 
@@ -2575,10 +2549,10 @@
           <a:lstStyle/>
           <a:p>
             <a:r>
-              <a:rPr lang="zh-CN" altLang="en-US" dirty="0" smtClean="0"/>
+              <a:rPr lang="zh-CN" altLang="en-US" dirty="0"/>
               <a:t>使用数据驱动，复用测试方法</a:t>
             </a:r>
-            <a:endParaRPr lang="en-US" altLang="zh-CN" dirty="0" smtClean="0"/>
+            <a:endParaRPr lang="en-US" altLang="zh-CN" dirty="0"/>
           </a:p>
           <a:p>
             <a:pPr marL="400050" lvl="1" indent="0">
@@ -2759,11 +2733,11 @@
               <a:t>基础：</a:t>
             </a:r>
             <a:r>
-              <a:rPr lang="en-US" altLang="zh-CN" dirty="0" smtClean="0"/>
+              <a:rPr lang="en-US" altLang="zh-CN" dirty="0"/>
               <a:t>@</a:t>
             </a:r>
             <a:r>
-              <a:rPr lang="en-US" altLang="zh-CN" dirty="0" err="1" smtClean="0"/>
+              <a:rPr lang="en-US" altLang="zh-CN" dirty="0" err="1"/>
               <a:t>DataProvider</a:t>
             </a:r>
             <a:endParaRPr lang="zh-CN" altLang="en-US" dirty="0"/>
@@ -2780,13 +2754,6 @@
   <p:clrMapOvr>
     <a:masterClrMapping/>
   </p:clrMapOvr>
-  <p:timing>
-    <p:tnLst>
-      <p:par>
-        <p:cTn id="1" dur="indefinite" restart="never" nodeType="tmRoot"/>
-      </p:par>
-    </p:tnLst>
-  </p:timing>
 </p:sld>
 </file>
 
@@ -2864,16 +2831,12 @@
               <a:t>基础：</a:t>
             </a:r>
             <a:r>
-              <a:rPr lang="en-US" altLang="zh-CN" dirty="0" err="1" smtClean="0"/>
+              <a:rPr lang="en-US" altLang="zh-CN" dirty="0" err="1"/>
               <a:t>DataProvider</a:t>
             </a:r>
             <a:r>
-              <a:rPr lang="zh-CN" altLang="en-US" dirty="0" smtClean="0"/>
-              <a:t>属性</a:t>
-            </a:r>
-            <a:r>
               <a:rPr lang="zh-CN" altLang="en-US" dirty="0"/>
-              <a:t>使用</a:t>
+              <a:t>属性使用</a:t>
             </a:r>
           </a:p>
         </p:txBody>
@@ -2952,13 +2915,6 @@
   <p:clrMapOvr>
     <a:masterClrMapping/>
   </p:clrMapOvr>
-  <p:timing>
-    <p:tnLst>
-      <p:par>
-        <p:cTn id="1" dur="indefinite" restart="never" nodeType="tmRoot"/>
-      </p:par>
-    </p:tnLst>
-  </p:timing>
 </p:sld>
 </file>
 
@@ -2991,7 +2947,7 @@
         </p:nvSpPr>
         <p:spPr>
           <a:xfrm>
-            <a:off x="457994" y="627534"/>
+            <a:off x="467544" y="699542"/>
             <a:ext cx="8229600" cy="3394472"/>
           </a:xfrm>
         </p:spPr>
@@ -3000,9 +2956,12 @@
           <a:lstStyle/>
           <a:p>
             <a:r>
-              <a:rPr lang="en-US" altLang="zh-CN" dirty="0" smtClean="0"/>
-              <a:t>suite-test-class/groups-class-method</a:t>
-            </a:r>
+              <a:rPr lang="zh-CN" altLang="en-US" dirty="0"/>
+              <a:t>指定测试类</a:t>
+            </a:r>
+            <a:endParaRPr lang="en-US" altLang="zh-CN" dirty="0"/>
+          </a:p>
+          <a:p>
             <a:endParaRPr lang="zh-CN" altLang="en-US" dirty="0"/>
           </a:p>
         </p:txBody>
@@ -3033,14 +2992,13 @@
               <a:t>基础：</a:t>
             </a:r>
             <a:r>
-              <a:rPr lang="en-US" altLang="zh-CN" dirty="0" smtClean="0"/>
+              <a:rPr lang="en-US" altLang="zh-CN" dirty="0"/>
               <a:t>testng.xml</a:t>
             </a:r>
             <a:r>
-              <a:rPr lang="zh-CN" altLang="en-US" dirty="0" smtClean="0"/>
+              <a:rPr lang="zh-CN" altLang="en-US" dirty="0"/>
               <a:t>用例集</a:t>
             </a:r>
-            <a:endParaRPr lang="zh-CN" altLang="en-US" dirty="0"/>
           </a:p>
         </p:txBody>
       </p:sp>
@@ -3052,8 +3010,8 @@
         </p:nvSpPr>
         <p:spPr>
           <a:xfrm>
-            <a:off x="827584" y="1203598"/>
-            <a:ext cx="7128792" cy="3970318"/>
+            <a:off x="827584" y="1329612"/>
+            <a:ext cx="7128792" cy="2862322"/>
           </a:xfrm>
           <a:prstGeom prst="rect">
             <a:avLst/>
@@ -3066,167 +3024,113 @@
           <a:lstStyle/>
           <a:p>
             <a:r>
-              <a:rPr lang="fr-FR" altLang="zh-CN" dirty="0"/>
+              <a:rPr lang="fr-FR" altLang="zh-CN" sz="2000" dirty="0"/>
               <a:t>&lt;!DOCTYPE suite SYSTEM "http://testng.org/testng-1.0.dtd" &gt;</a:t>
             </a:r>
           </a:p>
           <a:p>
             <a:r>
-              <a:rPr lang="zh-CN" altLang="en-US" dirty="0"/>
+              <a:rPr lang="zh-CN" altLang="en-US" sz="2000" dirty="0"/>
               <a:t>  </a:t>
             </a:r>
             <a:r>
-              <a:rPr lang="fr-FR" altLang="zh-CN" dirty="0" smtClean="0"/>
-              <a:t>&lt;</a:t>
-            </a:r>
-            <a:r>
-              <a:rPr lang="fr-FR" altLang="zh-CN" dirty="0"/>
-              <a:t>suite name=</a:t>
-            </a:r>
-            <a:r>
-              <a:rPr lang="fr-FR" altLang="zh-CN" i="1" dirty="0"/>
+              <a:rPr lang="fr-FR" altLang="zh-CN" sz="2000" dirty="0"/>
+              <a:t>&lt;suite name=</a:t>
+            </a:r>
+            <a:r>
+              <a:rPr lang="fr-FR" altLang="zh-CN" sz="2000" i="1" dirty="0"/>
               <a:t>"Suite1" verbose="1" &gt;</a:t>
             </a:r>
           </a:p>
           <a:p>
             <a:r>
-              <a:rPr lang="en-US" altLang="zh-CN" dirty="0"/>
+              <a:rPr lang="en-US" altLang="zh-CN" sz="2000" dirty="0"/>
               <a:t>  &lt;test name=</a:t>
             </a:r>
             <a:r>
-              <a:rPr lang="en-US" altLang="zh-CN" i="1" dirty="0"/>
+              <a:rPr lang="en-US" altLang="zh-CN" sz="2000" i="1" dirty="0"/>
               <a:t>"</a:t>
             </a:r>
             <a:r>
-              <a:rPr lang="en-US" altLang="zh-CN" i="1" dirty="0" err="1"/>
+              <a:rPr lang="en-US" altLang="zh-CN" sz="2000" i="1" dirty="0" err="1"/>
               <a:t>Nopackage</a:t>
             </a:r>
             <a:r>
-              <a:rPr lang="en-US" altLang="zh-CN" i="1" dirty="0"/>
+              <a:rPr lang="en-US" altLang="zh-CN" sz="2000" i="1" dirty="0"/>
               <a:t>" &gt;</a:t>
             </a:r>
           </a:p>
           <a:p>
             <a:r>
-              <a:rPr lang="en-US" altLang="zh-CN" dirty="0"/>
+              <a:rPr lang="en-US" altLang="zh-CN" sz="2000" dirty="0"/>
               <a:t>    &lt;classes&gt;</a:t>
             </a:r>
           </a:p>
           <a:p>
             <a:r>
-              <a:rPr lang="en-US" altLang="zh-CN" dirty="0"/>
+              <a:rPr lang="en-US" altLang="zh-CN" sz="2000" dirty="0">
+                <a:solidFill>
+                  <a:srgbClr val="FF0000"/>
+                </a:solidFill>
+              </a:rPr>
               <a:t>       &lt;class name=</a:t>
             </a:r>
             <a:r>
-              <a:rPr lang="en-US" altLang="zh-CN" i="1" dirty="0"/>
+              <a:rPr lang="en-US" altLang="zh-CN" sz="2000" i="1" dirty="0">
+                <a:solidFill>
+                  <a:srgbClr val="FF0000"/>
+                </a:solidFill>
+              </a:rPr>
               <a:t>"</a:t>
             </a:r>
             <a:r>
-              <a:rPr lang="en-US" altLang="zh-CN" i="1" dirty="0" err="1"/>
+              <a:rPr lang="en-US" altLang="zh-CN" sz="2000" i="1" dirty="0" err="1">
+                <a:solidFill>
+                  <a:srgbClr val="FF0000"/>
+                </a:solidFill>
+              </a:rPr>
               <a:t>NoPackageTest</a:t>
             </a:r>
             <a:r>
-              <a:rPr lang="en-US" altLang="zh-CN" i="1" dirty="0"/>
+              <a:rPr lang="en-US" altLang="zh-CN" sz="2000" i="1" dirty="0">
+                <a:solidFill>
+                  <a:srgbClr val="FF0000"/>
+                </a:solidFill>
+              </a:rPr>
               <a:t>" /&gt;</a:t>
             </a:r>
           </a:p>
           <a:p>
             <a:r>
-              <a:rPr lang="en-US" altLang="zh-CN" dirty="0"/>
+              <a:rPr lang="en-US" altLang="zh-CN" sz="2000" dirty="0"/>
               <a:t>    &lt;/classes&gt;</a:t>
             </a:r>
           </a:p>
           <a:p>
             <a:r>
-              <a:rPr lang="en-US" altLang="zh-CN" dirty="0"/>
+              <a:rPr lang="en-US" altLang="zh-CN" sz="2000" dirty="0"/>
               <a:t>  &lt;/test&gt;</a:t>
             </a:r>
           </a:p>
           <a:p>
             <a:r>
-              <a:rPr lang="zh-CN" altLang="en-US" dirty="0"/>
+              <a:rPr lang="zh-CN" altLang="en-US" sz="2000" dirty="0"/>
               <a:t> </a:t>
             </a:r>
-            <a:r>
-              <a:rPr lang="en-US" altLang="zh-CN" dirty="0" smtClean="0"/>
-              <a:t>  </a:t>
-            </a:r>
-            <a:r>
-              <a:rPr lang="en-US" altLang="zh-CN" dirty="0"/>
-              <a:t>&lt;test name=</a:t>
-            </a:r>
-            <a:r>
-              <a:rPr lang="en-US" altLang="zh-CN" i="1" dirty="0"/>
-              <a:t>"Regression1"&gt;</a:t>
-            </a:r>
-          </a:p>
-          <a:p>
-            <a:r>
-              <a:rPr lang="en-US" altLang="zh-CN" dirty="0"/>
-              <a:t>    &lt;classes&gt;</a:t>
-            </a:r>
-          </a:p>
-          <a:p>
-            <a:r>
-              <a:rPr lang="en-US" altLang="zh-CN" dirty="0"/>
-              <a:t>      &lt;class name=</a:t>
-            </a:r>
-            <a:r>
-              <a:rPr lang="en-US" altLang="zh-CN" i="1" dirty="0"/>
-              <a:t>"</a:t>
-            </a:r>
-            <a:r>
-              <a:rPr lang="en-US" altLang="zh-CN" i="1" dirty="0" err="1"/>
-              <a:t>test.sample.ParameterSample</a:t>
-            </a:r>
-            <a:r>
-              <a:rPr lang="en-US" altLang="zh-CN" i="1" dirty="0"/>
-              <a:t>"/&gt;</a:t>
-            </a:r>
-          </a:p>
-          <a:p>
-            <a:r>
-              <a:rPr lang="en-US" altLang="zh-CN" dirty="0"/>
-              <a:t>      &lt;class name=</a:t>
-            </a:r>
-            <a:r>
-              <a:rPr lang="en-US" altLang="zh-CN" i="1" dirty="0"/>
-              <a:t>"</a:t>
-            </a:r>
-            <a:r>
-              <a:rPr lang="en-US" altLang="zh-CN" i="1" dirty="0" err="1"/>
-              <a:t>test.sample.ParameterTest</a:t>
-            </a:r>
-            <a:r>
-              <a:rPr lang="en-US" altLang="zh-CN" i="1" dirty="0"/>
-              <a:t>"/&gt;</a:t>
-            </a:r>
-          </a:p>
-          <a:p>
-            <a:r>
-              <a:rPr lang="en-US" altLang="zh-CN" dirty="0"/>
-              <a:t>    &lt;/classes&gt;</a:t>
-            </a:r>
-          </a:p>
-          <a:p>
-            <a:r>
-              <a:rPr lang="en-US" altLang="zh-CN" dirty="0"/>
-              <a:t>  &lt;/test&gt;</a:t>
-            </a:r>
-          </a:p>
-          <a:p>
-            <a:r>
-              <a:rPr lang="en-US" altLang="zh-CN" dirty="0"/>
-              <a:t>&lt;/suite&gt;</a:t>
-            </a:r>
-            <a:endParaRPr lang="zh-CN" altLang="en-US" dirty="0"/>
+          </a:p>
+          <a:p>
+            <a:r>
+              <a:rPr lang="en-US" altLang="zh-CN" sz="2000" dirty="0"/>
+              <a:t>  &lt;/suite&gt;</a:t>
+            </a:r>
+            <a:endParaRPr lang="zh-CN" altLang="en-US" sz="2000" dirty="0"/>
           </a:p>
         </p:txBody>
       </p:sp>
     </p:spTree>
     <p:extLst>
       <p:ext uri="{BB962C8B-B14F-4D97-AF65-F5344CB8AC3E}">
-        <p14:creationId xmlns:p14="http://schemas.microsoft.com/office/powerpoint/2010/main" val="141001993"/>
+        <p14:creationId xmlns:p14="http://schemas.microsoft.com/office/powerpoint/2010/main" val="2011071686"/>
       </p:ext>
     </p:extLst>
   </p:cSld>
@@ -3400,37 +3304,6 @@
       </p:grpSpPr>
       <p:sp>
         <p:nvSpPr>
-          <p:cNvPr id="2" name="内容占位符 1"/>
-          <p:cNvSpPr>
-            <a:spLocks noGrp="1"/>
-          </p:cNvSpPr>
-          <p:nvPr>
-            <p:ph idx="1"/>
-          </p:nvPr>
-        </p:nvSpPr>
-        <p:spPr>
-          <a:xfrm>
-            <a:off x="467544" y="699542"/>
-            <a:ext cx="8229600" cy="3394472"/>
-          </a:xfrm>
-        </p:spPr>
-        <p:txBody>
-          <a:bodyPr/>
-          <a:lstStyle/>
-          <a:p>
-            <a:r>
-              <a:rPr lang="zh-CN" altLang="en-US" dirty="0" smtClean="0"/>
-              <a:t>指定测试类</a:t>
-            </a:r>
-            <a:endParaRPr lang="en-US" altLang="zh-CN" dirty="0" smtClean="0"/>
-          </a:p>
-          <a:p>
-            <a:endParaRPr lang="zh-CN" altLang="en-US" dirty="0"/>
-          </a:p>
-        </p:txBody>
-      </p:sp>
-      <p:sp>
-        <p:nvSpPr>
           <p:cNvPr id="3" name="标题 2"/>
           <p:cNvSpPr>
             <a:spLocks noGrp="1"/>
@@ -3452,312 +3325,85 @@
             </a:r>
             <a:r>
               <a:rPr lang="zh-CN" altLang="en-US" dirty="0"/>
-              <a:t>基础：</a:t>
-            </a:r>
-            <a:r>
-              <a:rPr lang="en-US" altLang="zh-CN" dirty="0" smtClean="0"/>
-              <a:t>testng.xml</a:t>
-            </a:r>
-            <a:r>
-              <a:rPr lang="zh-CN" altLang="en-US" dirty="0" smtClean="0"/>
-              <a:t>用例集</a:t>
-            </a:r>
-            <a:endParaRPr lang="zh-CN" altLang="en-US" dirty="0"/>
+              <a:t>自带测试报告</a:t>
+            </a:r>
           </a:p>
         </p:txBody>
       </p:sp>
-      <p:sp>
-        <p:nvSpPr>
-          <p:cNvPr id="20" name="矩形 19"/>
-          <p:cNvSpPr/>
+      <p:pic>
+        <p:nvPicPr>
+          <p:cNvPr id="1026" name="Picture 2"/>
+          <p:cNvPicPr>
+            <a:picLocks noChangeAspect="1" noChangeArrowheads="1"/>
+          </p:cNvPicPr>
           <p:nvPr/>
-        </p:nvSpPr>
-        <p:spPr>
+        </p:nvPicPr>
+        <p:blipFill>
+          <a:blip r:embed="rId2">
+            <a:extLst>
+              <a:ext uri="{28A0092B-C50C-407E-A947-70E740481C1C}">
+                <a14:useLocalDpi xmlns:a14="http://schemas.microsoft.com/office/drawing/2010/main" val="0"/>
+              </a:ext>
+            </a:extLst>
+          </a:blip>
+          <a:srcRect/>
+          <a:stretch>
+            <a:fillRect/>
+          </a:stretch>
+        </p:blipFill>
+        <p:spPr bwMode="auto">
           <a:xfrm>
-            <a:off x="827584" y="1329612"/>
-            <a:ext cx="7128792" cy="2862322"/>
+            <a:off x="467544" y="1167867"/>
+            <a:ext cx="8283169" cy="3254102"/>
           </a:xfrm>
           <a:prstGeom prst="rect">
             <a:avLst/>
           </a:prstGeom>
+          <a:noFill/>
+          <a:ln>
+            <a:noFill/>
+          </a:ln>
+          <a:effectLst/>
+          <a:extLst>
+            <a:ext uri="{909E8E84-426E-40DD-AFC4-6F175D3DCCD1}">
+              <a14:hiddenFill xmlns:a14="http://schemas.microsoft.com/office/drawing/2010/main">
+                <a:solidFill>
+                  <a:schemeClr val="accent1"/>
+                </a:solidFill>
+              </a14:hiddenFill>
+            </a:ext>
+            <a:ext uri="{91240B29-F687-4F45-9708-019B960494DF}">
+              <a14:hiddenLine xmlns:a14="http://schemas.microsoft.com/office/drawing/2010/main" w="9525">
+                <a:solidFill>
+                  <a:schemeClr val="tx1"/>
+                </a:solidFill>
+                <a:miter lim="800000"/>
+                <a:headEnd/>
+                <a:tailEnd/>
+              </a14:hiddenLine>
+            </a:ext>
+            <a:ext uri="{AF507438-7753-43E0-B8FC-AC1667EBCBE1}">
+              <a14:hiddenEffects xmlns:a14="http://schemas.microsoft.com/office/drawing/2010/main">
+                <a:effectLst>
+                  <a:outerShdw dist="35921" dir="2700000" algn="ctr" rotWithShape="0">
+                    <a:schemeClr val="bg2"/>
+                  </a:outerShdw>
+                </a:effectLst>
+              </a14:hiddenEffects>
+            </a:ext>
+          </a:extLst>
         </p:spPr>
-        <p:txBody>
-          <a:bodyPr wrap="square">
-            <a:spAutoFit/>
-          </a:bodyPr>
-          <a:lstStyle/>
-          <a:p>
-            <a:r>
-              <a:rPr lang="fr-FR" altLang="zh-CN" sz="2000" dirty="0"/>
-              <a:t>&lt;!DOCTYPE suite SYSTEM "http://testng.org/testng-1.0.dtd" &gt;</a:t>
-            </a:r>
-          </a:p>
-          <a:p>
-            <a:r>
-              <a:rPr lang="zh-CN" altLang="en-US" sz="2000" dirty="0"/>
-              <a:t>  </a:t>
-            </a:r>
-            <a:r>
-              <a:rPr lang="fr-FR" altLang="zh-CN" sz="2000" dirty="0" smtClean="0"/>
-              <a:t>&lt;</a:t>
-            </a:r>
-            <a:r>
-              <a:rPr lang="fr-FR" altLang="zh-CN" sz="2000" dirty="0"/>
-              <a:t>suite name=</a:t>
-            </a:r>
-            <a:r>
-              <a:rPr lang="fr-FR" altLang="zh-CN" sz="2000" i="1" dirty="0"/>
-              <a:t>"Suite1" verbose="1" &gt;</a:t>
-            </a:r>
-          </a:p>
-          <a:p>
-            <a:r>
-              <a:rPr lang="en-US" altLang="zh-CN" sz="2000" dirty="0"/>
-              <a:t>  &lt;test name=</a:t>
-            </a:r>
-            <a:r>
-              <a:rPr lang="en-US" altLang="zh-CN" sz="2000" i="1" dirty="0"/>
-              <a:t>"</a:t>
-            </a:r>
-            <a:r>
-              <a:rPr lang="en-US" altLang="zh-CN" sz="2000" i="1" dirty="0" err="1"/>
-              <a:t>Nopackage</a:t>
-            </a:r>
-            <a:r>
-              <a:rPr lang="en-US" altLang="zh-CN" sz="2000" i="1" dirty="0"/>
-              <a:t>" &gt;</a:t>
-            </a:r>
-          </a:p>
-          <a:p>
-            <a:r>
-              <a:rPr lang="en-US" altLang="zh-CN" sz="2000" dirty="0"/>
-              <a:t>    &lt;classes&gt;</a:t>
-            </a:r>
-          </a:p>
-          <a:p>
-            <a:r>
-              <a:rPr lang="en-US" altLang="zh-CN" sz="2000" dirty="0">
-                <a:solidFill>
-                  <a:srgbClr val="FF0000"/>
-                </a:solidFill>
-              </a:rPr>
-              <a:t>       &lt;class name=</a:t>
-            </a:r>
-            <a:r>
-              <a:rPr lang="en-US" altLang="zh-CN" sz="2000" i="1" dirty="0">
-                <a:solidFill>
-                  <a:srgbClr val="FF0000"/>
-                </a:solidFill>
-              </a:rPr>
-              <a:t>"</a:t>
-            </a:r>
-            <a:r>
-              <a:rPr lang="en-US" altLang="zh-CN" sz="2000" i="1" dirty="0" err="1">
-                <a:solidFill>
-                  <a:srgbClr val="FF0000"/>
-                </a:solidFill>
-              </a:rPr>
-              <a:t>NoPackageTest</a:t>
-            </a:r>
-            <a:r>
-              <a:rPr lang="en-US" altLang="zh-CN" sz="2000" i="1" dirty="0">
-                <a:solidFill>
-                  <a:srgbClr val="FF0000"/>
-                </a:solidFill>
-              </a:rPr>
-              <a:t>" /&gt;</a:t>
-            </a:r>
-          </a:p>
-          <a:p>
-            <a:r>
-              <a:rPr lang="en-US" altLang="zh-CN" sz="2000" dirty="0"/>
-              <a:t>    &lt;/classes&gt;</a:t>
-            </a:r>
-          </a:p>
-          <a:p>
-            <a:r>
-              <a:rPr lang="en-US" altLang="zh-CN" sz="2000" dirty="0"/>
-              <a:t>  &lt;/test&gt;</a:t>
-            </a:r>
-          </a:p>
-          <a:p>
-            <a:r>
-              <a:rPr lang="zh-CN" altLang="en-US" sz="2000" dirty="0"/>
-              <a:t> </a:t>
-            </a:r>
-          </a:p>
-          <a:p>
-            <a:r>
-              <a:rPr lang="en-US" altLang="zh-CN" sz="2000" dirty="0"/>
-              <a:t>  </a:t>
-            </a:r>
-            <a:r>
-              <a:rPr lang="en-US" altLang="zh-CN" sz="2000" dirty="0" smtClean="0"/>
-              <a:t>&lt;/</a:t>
-            </a:r>
-            <a:r>
-              <a:rPr lang="en-US" altLang="zh-CN" sz="2000" dirty="0"/>
-              <a:t>suite&gt;</a:t>
-            </a:r>
-            <a:endParaRPr lang="zh-CN" altLang="en-US" sz="2000" dirty="0"/>
-          </a:p>
-        </p:txBody>
-      </p:sp>
+      </p:pic>
     </p:spTree>
     <p:extLst>
       <p:ext uri="{BB962C8B-B14F-4D97-AF65-F5344CB8AC3E}">
-        <p14:creationId xmlns:p14="http://schemas.microsoft.com/office/powerpoint/2010/main" val="2011071686"/>
+        <p14:creationId xmlns:p14="http://schemas.microsoft.com/office/powerpoint/2010/main" val="3180401203"/>
       </p:ext>
     </p:extLst>
   </p:cSld>
   <p:clrMapOvr>
     <a:masterClrMapping/>
   </p:clrMapOvr>
-  <p:timing>
-    <p:tnLst>
-      <p:par>
-        <p:cTn id="1" dur="indefinite" restart="never" nodeType="tmRoot">
-          <p:childTnLst>
-            <p:seq concurrent="1" nextAc="seek">
-              <p:cTn id="2" dur="indefinite" nodeType="mainSeq">
-                <p:childTnLst>
-                  <p:par>
-                    <p:cTn id="3" fill="hold">
-                      <p:stCondLst>
-                        <p:cond delay="indefinite"/>
-                      </p:stCondLst>
-                      <p:childTnLst>
-                        <p:par>
-                          <p:cTn id="4" fill="hold">
-                            <p:stCondLst>
-                              <p:cond delay="0"/>
-                            </p:stCondLst>
-                            <p:childTnLst>
-                              <p:par>
-                                <p:cTn id="5" presetID="42" presetClass="entr" presetSubtype="0" fill="hold" nodeType="clickEffect">
-                                  <p:stCondLst>
-                                    <p:cond delay="0"/>
-                                  </p:stCondLst>
-                                  <p:childTnLst>
-                                    <p:set>
-                                      <p:cBhvr>
-                                        <p:cTn id="6" dur="1" fill="hold">
-                                          <p:stCondLst>
-                                            <p:cond delay="0"/>
-                                          </p:stCondLst>
-                                        </p:cTn>
-                                        <p:tgtEl>
-                                          <p:spTgt spid="2">
-                                            <p:txEl>
-                                              <p:pRg st="0" end="0"/>
-                                            </p:txEl>
-                                          </p:spTgt>
-                                        </p:tgtEl>
-                                        <p:attrNameLst>
-                                          <p:attrName>style.visibility</p:attrName>
-                                        </p:attrNameLst>
-                                      </p:cBhvr>
-                                      <p:to>
-                                        <p:strVal val="visible"/>
-                                      </p:to>
-                                    </p:set>
-                                    <p:animEffect transition="in" filter="fade">
-                                      <p:cBhvr>
-                                        <p:cTn id="7" dur="1000"/>
-                                        <p:tgtEl>
-                                          <p:spTgt spid="2">
-                                            <p:txEl>
-                                              <p:pRg st="0" end="0"/>
-                                            </p:txEl>
-                                          </p:spTgt>
-                                        </p:tgtEl>
-                                      </p:cBhvr>
-                                    </p:animEffect>
-                                    <p:anim calcmode="lin" valueType="num">
-                                      <p:cBhvr>
-                                        <p:cTn id="8" dur="1000" fill="hold"/>
-                                        <p:tgtEl>
-                                          <p:spTgt spid="2">
-                                            <p:txEl>
-                                              <p:pRg st="0" end="0"/>
-                                            </p:txEl>
-                                          </p:spTgt>
-                                        </p:tgtEl>
-                                        <p:attrNameLst>
-                                          <p:attrName>ppt_x</p:attrName>
-                                        </p:attrNameLst>
-                                      </p:cBhvr>
-                                      <p:tavLst>
-                                        <p:tav tm="0">
-                                          <p:val>
-                                            <p:strVal val="#ppt_x"/>
-                                          </p:val>
-                                        </p:tav>
-                                        <p:tav tm="100000">
-                                          <p:val>
-                                            <p:strVal val="#ppt_x"/>
-                                          </p:val>
-                                        </p:tav>
-                                      </p:tavLst>
-                                    </p:anim>
-                                    <p:anim calcmode="lin" valueType="num">
-                                      <p:cBhvr>
-                                        <p:cTn id="9" dur="1000" fill="hold"/>
-                                        <p:tgtEl>
-                                          <p:spTgt spid="2">
-                                            <p:txEl>
-                                              <p:pRg st="0" end="0"/>
-                                            </p:txEl>
-                                          </p:spTgt>
-                                        </p:tgtEl>
-                                        <p:attrNameLst>
-                                          <p:attrName>ppt_y</p:attrName>
-                                        </p:attrNameLst>
-                                      </p:cBhvr>
-                                      <p:tavLst>
-                                        <p:tav tm="0">
-                                          <p:val>
-                                            <p:strVal val="#ppt_y+.1"/>
-                                          </p:val>
-                                        </p:tav>
-                                        <p:tav tm="100000">
-                                          <p:val>
-                                            <p:strVal val="#ppt_y"/>
-                                          </p:val>
-                                        </p:tav>
-                                      </p:tavLst>
-                                    </p:anim>
-                                  </p:childTnLst>
-                                </p:cTn>
-                              </p:par>
-                            </p:childTnLst>
-                          </p:cTn>
-                        </p:par>
-                      </p:childTnLst>
-                    </p:cTn>
-                  </p:par>
-                </p:childTnLst>
-              </p:cTn>
-              <p:prevCondLst>
-                <p:cond evt="onPrev" delay="0">
-                  <p:tgtEl>
-                    <p:sldTgt/>
-                  </p:tgtEl>
-                </p:cond>
-              </p:prevCondLst>
-              <p:nextCondLst>
-                <p:cond evt="onNext" delay="0">
-                  <p:tgtEl>
-                    <p:sldTgt/>
-                  </p:tgtEl>
-                </p:cond>
-              </p:nextCondLst>
-            </p:seq>
-          </p:childTnLst>
-        </p:cTn>
-      </p:par>
-    </p:tnLst>
-  </p:timing>
 </p:sld>
 </file>
 
@@ -3780,233 +3426,6 @@
       </p:grpSpPr>
       <p:sp>
         <p:nvSpPr>
-          <p:cNvPr id="2" name="内容占位符 1"/>
-          <p:cNvSpPr>
-            <a:spLocks noGrp="1"/>
-          </p:cNvSpPr>
-          <p:nvPr>
-            <p:ph idx="1"/>
-          </p:nvPr>
-        </p:nvSpPr>
-        <p:spPr>
-          <a:xfrm>
-            <a:off x="539552" y="735546"/>
-            <a:ext cx="8229600" cy="4590510"/>
-          </a:xfrm>
-        </p:spPr>
-        <p:txBody>
-          <a:bodyPr>
-            <a:normAutofit fontScale="47500" lnSpcReduction="20000"/>
-          </a:bodyPr>
-          <a:lstStyle/>
-          <a:p>
-            <a:r>
-              <a:rPr lang="zh-CN" altLang="en-US" sz="6700" dirty="0"/>
-              <a:t>执行某个分组的全部测试</a:t>
-            </a:r>
-            <a:endParaRPr lang="en-US" altLang="zh-CN" sz="6700" dirty="0"/>
-          </a:p>
-          <a:p>
-            <a:pPr marL="0" indent="0">
-              <a:buNone/>
-            </a:pPr>
-            <a:r>
-              <a:rPr lang="en-US" altLang="zh-CN" dirty="0"/>
-              <a:t>  &lt;test name=</a:t>
-            </a:r>
-            <a:r>
-              <a:rPr lang="en-US" altLang="zh-CN" i="1" dirty="0"/>
-              <a:t>"Regression1"&gt;</a:t>
-            </a:r>
-          </a:p>
-          <a:p>
-            <a:pPr marL="0" indent="0">
-              <a:buNone/>
-            </a:pPr>
-            <a:r>
-              <a:rPr lang="en-US" altLang="zh-CN" dirty="0"/>
-              <a:t>  &lt;groups&gt;</a:t>
-            </a:r>
-          </a:p>
-          <a:p>
-            <a:pPr marL="0" indent="0">
-              <a:buNone/>
-            </a:pPr>
-            <a:r>
-              <a:rPr lang="en-US" altLang="zh-CN" dirty="0"/>
-              <a:t>    &lt;run&gt;</a:t>
-            </a:r>
-          </a:p>
-          <a:p>
-            <a:pPr marL="0" indent="0">
-              <a:buNone/>
-            </a:pPr>
-            <a:r>
-              <a:rPr lang="en-US" altLang="zh-CN" dirty="0"/>
-              <a:t>      &lt;exclude name=</a:t>
-            </a:r>
-            <a:r>
-              <a:rPr lang="en-US" altLang="zh-CN" i="1" dirty="0"/>
-              <a:t>"</a:t>
-            </a:r>
-            <a:r>
-              <a:rPr lang="en-US" altLang="zh-CN" i="1" dirty="0" err="1"/>
-              <a:t>brokenTests</a:t>
-            </a:r>
-            <a:r>
-              <a:rPr lang="en-US" altLang="zh-CN" i="1" dirty="0"/>
-              <a:t>"  /&gt;</a:t>
-            </a:r>
-          </a:p>
-          <a:p>
-            <a:pPr marL="0" indent="0">
-              <a:buNone/>
-            </a:pPr>
-            <a:r>
-              <a:rPr lang="en-US" altLang="zh-CN" dirty="0"/>
-              <a:t>      &lt;include name=</a:t>
-            </a:r>
-            <a:r>
-              <a:rPr lang="en-US" altLang="zh-CN" i="1" dirty="0"/>
-              <a:t>"</a:t>
-            </a:r>
-            <a:r>
-              <a:rPr lang="en-US" altLang="zh-CN" i="1" dirty="0" err="1"/>
-              <a:t>checkinTests</a:t>
-            </a:r>
-            <a:r>
-              <a:rPr lang="en-US" altLang="zh-CN" i="1" dirty="0"/>
-              <a:t>"  /&gt;</a:t>
-            </a:r>
-          </a:p>
-          <a:p>
-            <a:pPr marL="0" indent="0">
-              <a:buNone/>
-            </a:pPr>
-            <a:r>
-              <a:rPr lang="en-US" altLang="zh-CN" dirty="0"/>
-              <a:t>    &lt;/run&gt;</a:t>
-            </a:r>
-          </a:p>
-          <a:p>
-            <a:pPr marL="0" indent="0">
-              <a:buNone/>
-            </a:pPr>
-            <a:r>
-              <a:rPr lang="en-US" altLang="zh-CN" dirty="0"/>
-              <a:t>  &lt;/groups&gt;</a:t>
-            </a:r>
-          </a:p>
-          <a:p>
-            <a:pPr marL="0" indent="0">
-              <a:buNone/>
-            </a:pPr>
-            <a:r>
-              <a:rPr lang="zh-CN" altLang="en-US" dirty="0"/>
-              <a:t>  </a:t>
-            </a:r>
-          </a:p>
-          <a:p>
-            <a:pPr marL="0" indent="0">
-              <a:buNone/>
-            </a:pPr>
-            <a:r>
-              <a:rPr lang="en-US" altLang="zh-CN" dirty="0"/>
-              <a:t>  &lt;classes&gt;</a:t>
-            </a:r>
-          </a:p>
-          <a:p>
-            <a:pPr marL="0" indent="0">
-              <a:buNone/>
-            </a:pPr>
-            <a:r>
-              <a:rPr lang="en-US" altLang="zh-CN" dirty="0"/>
-              <a:t>    &lt;class name=</a:t>
-            </a:r>
-            <a:r>
-              <a:rPr lang="en-US" altLang="zh-CN" i="1" dirty="0"/>
-              <a:t>"</a:t>
-            </a:r>
-            <a:r>
-              <a:rPr lang="en-US" altLang="zh-CN" i="1" dirty="0" err="1"/>
-              <a:t>test.IndividualMethodsTest</a:t>
-            </a:r>
-            <a:r>
-              <a:rPr lang="en-US" altLang="zh-CN" i="1" dirty="0"/>
-              <a:t>"&gt;</a:t>
-            </a:r>
-          </a:p>
-          <a:p>
-            <a:pPr marL="0" indent="0">
-              <a:buNone/>
-            </a:pPr>
-            <a:r>
-              <a:rPr lang="en-US" altLang="zh-CN" dirty="0"/>
-              <a:t>      &lt;methods&gt;</a:t>
-            </a:r>
-          </a:p>
-          <a:p>
-            <a:pPr marL="0" indent="0">
-              <a:buNone/>
-            </a:pPr>
-            <a:r>
-              <a:rPr lang="en-US" altLang="zh-CN" dirty="0"/>
-              <a:t>        &lt;include name=</a:t>
-            </a:r>
-            <a:r>
-              <a:rPr lang="en-US" altLang="zh-CN" i="1" dirty="0"/>
-              <a:t>"</a:t>
-            </a:r>
-            <a:r>
-              <a:rPr lang="en-US" altLang="zh-CN" i="1" dirty="0" err="1"/>
-              <a:t>testMethod</a:t>
-            </a:r>
-            <a:r>
-              <a:rPr lang="en-US" altLang="zh-CN" i="1" dirty="0"/>
-              <a:t>" /&gt;</a:t>
-            </a:r>
-          </a:p>
-          <a:p>
-            <a:pPr marL="0" indent="0">
-              <a:buNone/>
-            </a:pPr>
-            <a:r>
-              <a:rPr lang="en-US" altLang="zh-CN" dirty="0"/>
-              <a:t>      &lt;/methods&gt;</a:t>
-            </a:r>
-          </a:p>
-          <a:p>
-            <a:pPr marL="0" indent="0">
-              <a:buNone/>
-            </a:pPr>
-            <a:r>
-              <a:rPr lang="en-US" altLang="zh-CN" dirty="0"/>
-              <a:t>    &lt;/class&gt;</a:t>
-            </a:r>
-          </a:p>
-          <a:p>
-            <a:pPr marL="0" indent="0">
-              <a:buNone/>
-            </a:pPr>
-            <a:r>
-              <a:rPr lang="en-US" altLang="zh-CN" dirty="0"/>
-              <a:t>  &lt;/classes&gt;</a:t>
-            </a:r>
-          </a:p>
-          <a:p>
-            <a:pPr marL="0" indent="0">
-              <a:buNone/>
-            </a:pPr>
-            <a:r>
-              <a:rPr lang="en-US" altLang="zh-CN" dirty="0"/>
-              <a:t>&lt;/test&gt;</a:t>
-            </a:r>
-            <a:endParaRPr lang="zh-CN" altLang="en-US" dirty="0"/>
-          </a:p>
-        </p:txBody>
-      </p:sp>
-      <p:sp>
-        <p:nvSpPr>
           <p:cNvPr id="3" name="标题 2"/>
           <p:cNvSpPr>
             <a:spLocks noGrp="1"/>
@@ -4024,40 +3443,89 @@
           <a:p>
             <a:r>
               <a:rPr lang="en-US" altLang="zh-CN" dirty="0" err="1"/>
-              <a:t>TestNG</a:t>
+              <a:t>TestNG+ReportNG</a:t>
             </a:r>
             <a:r>
               <a:rPr lang="zh-CN" altLang="en-US" dirty="0"/>
-              <a:t>基础：</a:t>
-            </a:r>
-            <a:r>
-              <a:rPr lang="en-US" altLang="zh-CN" dirty="0" smtClean="0"/>
-              <a:t>testng.xml</a:t>
-            </a:r>
-            <a:r>
-              <a:rPr lang="zh-CN" altLang="en-US" dirty="0"/>
-              <a:t>用例集</a:t>
+              <a:t>报告</a:t>
             </a:r>
           </a:p>
         </p:txBody>
       </p:sp>
+      <p:pic>
+        <p:nvPicPr>
+          <p:cNvPr id="3074" name="Picture 2"/>
+          <p:cNvPicPr>
+            <a:picLocks noChangeAspect="1" noChangeArrowheads="1"/>
+          </p:cNvPicPr>
+          <p:nvPr/>
+        </p:nvPicPr>
+        <p:blipFill>
+          <a:blip r:embed="rId2">
+            <a:extLst>
+              <a:ext uri="{28A0092B-C50C-407E-A947-70E740481C1C}">
+                <a14:useLocalDpi xmlns:a14="http://schemas.microsoft.com/office/drawing/2010/main" val="0"/>
+              </a:ext>
+            </a:extLst>
+          </a:blip>
+          <a:srcRect/>
+          <a:stretch>
+            <a:fillRect/>
+          </a:stretch>
+        </p:blipFill>
+        <p:spPr bwMode="auto">
+          <a:xfrm>
+            <a:off x="755576" y="1275606"/>
+            <a:ext cx="8266137" cy="2009621"/>
+          </a:xfrm>
+          <a:prstGeom prst="rect">
+            <a:avLst/>
+          </a:prstGeom>
+          <a:noFill/>
+          <a:ln>
+            <a:noFill/>
+          </a:ln>
+          <a:effectLst/>
+          <a:extLst>
+            <a:ext uri="{909E8E84-426E-40DD-AFC4-6F175D3DCCD1}">
+              <a14:hiddenFill xmlns:a14="http://schemas.microsoft.com/office/drawing/2010/main">
+                <a:solidFill>
+                  <a:schemeClr val="accent1"/>
+                </a:solidFill>
+              </a14:hiddenFill>
+            </a:ext>
+            <a:ext uri="{91240B29-F687-4F45-9708-019B960494DF}">
+              <a14:hiddenLine xmlns:a14="http://schemas.microsoft.com/office/drawing/2010/main" w="9525">
+                <a:solidFill>
+                  <a:schemeClr val="tx1"/>
+                </a:solidFill>
+                <a:miter lim="800000"/>
+                <a:headEnd/>
+                <a:tailEnd/>
+              </a14:hiddenLine>
+            </a:ext>
+            <a:ext uri="{AF507438-7753-43E0-B8FC-AC1667EBCBE1}">
+              <a14:hiddenEffects xmlns:a14="http://schemas.microsoft.com/office/drawing/2010/main">
+                <a:effectLst>
+                  <a:outerShdw dist="35921" dir="2700000" algn="ctr" rotWithShape="0">
+                    <a:schemeClr val="bg2"/>
+                  </a:outerShdw>
+                </a:effectLst>
+              </a14:hiddenEffects>
+            </a:ext>
+          </a:extLst>
+        </p:spPr>
+      </p:pic>
     </p:spTree>
     <p:extLst>
       <p:ext uri="{BB962C8B-B14F-4D97-AF65-F5344CB8AC3E}">
-        <p14:creationId xmlns:p14="http://schemas.microsoft.com/office/powerpoint/2010/main" val="511905963"/>
+        <p14:creationId xmlns:p14="http://schemas.microsoft.com/office/powerpoint/2010/main" val="3357616216"/>
       </p:ext>
     </p:extLst>
   </p:cSld>
   <p:clrMapOvr>
     <a:masterClrMapping/>
   </p:clrMapOvr>
-  <p:timing>
-    <p:tnLst>
-      <p:par>
-        <p:cTn id="1" dur="indefinite" restart="never" nodeType="tmRoot"/>
-      </p:par>
-    </p:tnLst>
-  </p:timing>
 </p:sld>
 </file>
 
@@ -4097,11 +3565,11 @@
           <a:p>
             <a:r>
               <a:rPr lang="en-US" altLang="zh-CN" dirty="0" err="1"/>
-              <a:t>TestNG</a:t>
+              <a:t>TestNG+FreeMarker</a:t>
             </a:r>
             <a:r>
               <a:rPr lang="zh-CN" altLang="en-US" dirty="0"/>
-              <a:t>基础：测试报告</a:t>
+              <a:t>测试报告</a:t>
             </a:r>
           </a:p>
         </p:txBody>
@@ -4129,7 +3597,7 @@
         </p:blipFill>
         <p:spPr bwMode="auto">
           <a:xfrm>
-            <a:off x="683568" y="1212355"/>
+            <a:off x="699887" y="914294"/>
             <a:ext cx="3667125" cy="2221706"/>
           </a:xfrm>
           <a:prstGeom prst="rect">
@@ -4193,18 +3661,17 @@
           <a:lstStyle/>
           <a:p>
             <a:r>
-              <a:rPr lang="zh-CN" altLang="en-US" dirty="0" smtClean="0"/>
+              <a:rPr lang="zh-CN" altLang="en-US" dirty="0"/>
               <a:t>建议使用</a:t>
             </a:r>
             <a:r>
-              <a:rPr lang="en-US" altLang="zh-CN" dirty="0" err="1" smtClean="0"/>
+              <a:rPr lang="en-US" altLang="zh-CN" dirty="0" err="1"/>
               <a:t>FreeMarker</a:t>
             </a:r>
             <a:r>
-              <a:rPr lang="zh-CN" altLang="en-US" dirty="0" smtClean="0"/>
+              <a:rPr lang="zh-CN" altLang="en-US" dirty="0"/>
               <a:t>来生成新的测试报告</a:t>
             </a:r>
-            <a:endParaRPr lang="zh-CN" altLang="en-US" dirty="0"/>
           </a:p>
         </p:txBody>
       </p:sp>
@@ -4231,7 +3698,7 @@
         </p:blipFill>
         <p:spPr bwMode="auto">
           <a:xfrm>
-            <a:off x="323528" y="2420858"/>
+            <a:off x="308061" y="2323208"/>
             <a:ext cx="8581527" cy="2430270"/>
           </a:xfrm>
           <a:prstGeom prst="rect">
@@ -4408,10 +3875,10 @@
               </a:lnSpc>
             </a:pPr>
             <a:r>
-              <a:rPr lang="zh-CN" altLang="en-US" dirty="0" smtClean="0"/>
+              <a:rPr lang="zh-CN" altLang="en-US" dirty="0"/>
               <a:t>接口自动化概述</a:t>
             </a:r>
-            <a:endParaRPr lang="en-US" altLang="zh-CN" dirty="0" smtClean="0"/>
+            <a:endParaRPr lang="en-US" altLang="zh-CN" dirty="0"/>
           </a:p>
           <a:p>
             <a:pPr>
@@ -4420,10 +3887,10 @@
               </a:lnSpc>
             </a:pPr>
             <a:r>
-              <a:rPr lang="en-US" altLang="zh-CN" dirty="0" err="1" smtClean="0"/>
+              <a:rPr lang="en-US" altLang="zh-CN" dirty="0" err="1"/>
               <a:t>HttpClient</a:t>
             </a:r>
-            <a:endParaRPr lang="en-US" altLang="zh-CN" dirty="0" smtClean="0"/>
+            <a:endParaRPr lang="en-US" altLang="zh-CN" dirty="0"/>
           </a:p>
           <a:p>
             <a:pPr>
@@ -4432,30 +3899,14 @@
               </a:lnSpc>
             </a:pPr>
             <a:r>
-              <a:rPr lang="zh-CN" altLang="en-US" dirty="0" smtClean="0">
-                <a:solidFill>
-                  <a:srgbClr val="FF0000"/>
-                </a:solidFill>
-              </a:rPr>
-              <a:t>引入</a:t>
-            </a:r>
-            <a:r>
               <a:rPr lang="zh-CN" altLang="en-US" dirty="0">
                 <a:solidFill>
                   <a:srgbClr val="FF0000"/>
                 </a:solidFill>
               </a:rPr>
-              <a:t>测试</a:t>
-            </a:r>
-            <a:r>
-              <a:rPr lang="zh-CN" altLang="en-US" dirty="0" smtClean="0">
-                <a:solidFill>
-                  <a:srgbClr val="FF0000"/>
-                </a:solidFill>
-              </a:rPr>
-              <a:t>框架</a:t>
-            </a:r>
-            <a:endParaRPr lang="en-US" altLang="zh-CN" dirty="0" smtClean="0">
+              <a:t>引入测试框架</a:t>
+            </a:r>
+            <a:endParaRPr lang="en-US" altLang="zh-CN" dirty="0">
               <a:solidFill>
                 <a:srgbClr val="FF0000"/>
               </a:solidFill>
@@ -4505,10 +3956,9 @@
           <a:lstStyle/>
           <a:p>
             <a:r>
-              <a:rPr lang="zh-CN" altLang="en-US" dirty="0" smtClean="0"/>
+              <a:rPr lang="zh-CN" altLang="en-US" dirty="0"/>
               <a:t>本章大纲</a:t>
             </a:r>
-            <a:endParaRPr lang="zh-CN" altLang="en-US" dirty="0"/>
           </a:p>
         </p:txBody>
       </p:sp>
@@ -4522,13 +3972,6 @@
   <p:clrMapOvr>
     <a:masterClrMapping/>
   </p:clrMapOvr>
-  <p:timing>
-    <p:tnLst>
-      <p:par>
-        <p:cTn id="1" dur="indefinite" restart="never" nodeType="tmRoot"/>
-      </p:par>
-    </p:tnLst>
-  </p:timing>
 </p:sld>
 </file>
 
@@ -4575,7 +4018,13 @@
                 <a:tableStyleId>{5C22544A-7EE6-4342-B048-85BDC9FD1C3A}</a:tableStyleId>
               </a:tblPr>
               <a:tblGrid>
-                <a:gridCol w="5769396"/>
+                <a:gridCol w="5769396">
+                  <a:extLst>
+                    <a:ext uri="{9D8B030D-6E8A-4147-A177-3AD203B41FA5}">
+                      <a16:colId xmlns:a16="http://schemas.microsoft.com/office/drawing/2014/main" val="20000"/>
+                    </a:ext>
+                  </a:extLst>
+                </a:gridCol>
               </a:tblGrid>
               <a:tr h="863948">
                 <a:tc>
@@ -4584,18 +4033,13 @@
                     <a:lstStyle/>
                     <a:p>
                       <a:r>
-                        <a:rPr lang="zh-CN" altLang="en-US" sz="2100" dirty="0" smtClean="0">
+                        <a:rPr lang="zh-CN" altLang="en-US" sz="2100" dirty="0">
                           <a:solidFill>
                             <a:schemeClr val="tx1"/>
                           </a:solidFill>
                         </a:rPr>
                         <a:t>用例标题</a:t>
                       </a:r>
-                      <a:endParaRPr lang="zh-CN" altLang="en-US" sz="2100" dirty="0">
-                        <a:solidFill>
-                          <a:schemeClr val="tx1"/>
-                        </a:solidFill>
-                      </a:endParaRPr>
                     </a:p>
                   </a:txBody>
                   <a:tcPr marT="34290" marB="34290">
@@ -4638,6 +4082,11 @@
                     <a:noFill/>
                   </a:tcPr>
                 </a:tc>
+                <a:extLst>
+                  <a:ext uri="{0D108BD9-81ED-4DB2-BD59-A6C34878D82A}">
+                    <a16:rowId xmlns:a16="http://schemas.microsoft.com/office/drawing/2014/main" val="10000"/>
+                  </a:ext>
+                </a:extLst>
               </a:tr>
               <a:tr h="863948">
                 <a:tc>
@@ -4646,14 +4095,13 @@
                     <a:lstStyle/>
                     <a:p>
                       <a:r>
-                        <a:rPr lang="en-US" altLang="zh-CN" sz="2100" dirty="0" smtClean="0"/>
+                        <a:rPr lang="en-US" altLang="zh-CN" sz="2100" dirty="0"/>
                         <a:t>Get</a:t>
                       </a:r>
                       <a:r>
-                        <a:rPr lang="zh-CN" altLang="en-US" sz="2100" dirty="0" smtClean="0"/>
+                        <a:rPr lang="zh-CN" altLang="en-US" sz="2100" dirty="0"/>
                         <a:t>请求的用例</a:t>
                       </a:r>
-                      <a:endParaRPr lang="zh-CN" altLang="en-US" sz="2100" dirty="0"/>
                     </a:p>
                   </a:txBody>
                   <a:tcPr marT="34290" marB="34290">
@@ -4696,6 +4144,11 @@
                     <a:noFill/>
                   </a:tcPr>
                 </a:tc>
+                <a:extLst>
+                  <a:ext uri="{0D108BD9-81ED-4DB2-BD59-A6C34878D82A}">
+                    <a16:rowId xmlns:a16="http://schemas.microsoft.com/office/drawing/2014/main" val="10001"/>
+                  </a:ext>
+                </a:extLst>
               </a:tr>
               <a:tr h="863948">
                 <a:tc>
@@ -4704,14 +4157,13 @@
                     <a:lstStyle/>
                     <a:p>
                       <a:r>
-                        <a:rPr lang="en-US" altLang="zh-CN" sz="2100" dirty="0" smtClean="0"/>
+                        <a:rPr lang="en-US" altLang="zh-CN" sz="2100" dirty="0"/>
                         <a:t>Post</a:t>
                       </a:r>
                       <a:r>
-                        <a:rPr lang="zh-CN" altLang="en-US" sz="2100" dirty="0" smtClean="0"/>
+                        <a:rPr lang="zh-CN" altLang="en-US" sz="2100" dirty="0"/>
                         <a:t>请求的用例</a:t>
                       </a:r>
-                      <a:endParaRPr lang="zh-CN" altLang="en-US" sz="2100" dirty="0"/>
                     </a:p>
                   </a:txBody>
                   <a:tcPr marT="34290" marB="34290">
@@ -4754,6 +4206,11 @@
                     <a:noFill/>
                   </a:tcPr>
                 </a:tc>
+                <a:extLst>
+                  <a:ext uri="{0D108BD9-81ED-4DB2-BD59-A6C34878D82A}">
+                    <a16:rowId xmlns:a16="http://schemas.microsoft.com/office/drawing/2014/main" val="10002"/>
+                  </a:ext>
+                </a:extLst>
               </a:tr>
               <a:tr h="863948">
                 <a:tc>
@@ -4762,18 +4219,17 @@
                     <a:lstStyle/>
                     <a:p>
                       <a:r>
-                        <a:rPr lang="zh-CN" altLang="en-US" sz="2100" dirty="0" smtClean="0"/>
+                        <a:rPr lang="zh-CN" altLang="en-US" sz="2100" dirty="0"/>
                         <a:t>带登录信息的</a:t>
                       </a:r>
                       <a:r>
-                        <a:rPr lang="en-US" altLang="zh-CN" sz="2100" dirty="0" smtClean="0"/>
+                        <a:rPr lang="en-US" altLang="zh-CN" sz="2100" dirty="0"/>
                         <a:t>Post</a:t>
                       </a:r>
                       <a:r>
-                        <a:rPr lang="zh-CN" altLang="en-US" sz="2100" dirty="0" smtClean="0"/>
+                        <a:rPr lang="zh-CN" altLang="en-US" sz="2100" dirty="0"/>
                         <a:t>请求用例</a:t>
                       </a:r>
-                      <a:endParaRPr lang="zh-CN" altLang="en-US" sz="2100" dirty="0"/>
                     </a:p>
                   </a:txBody>
                   <a:tcPr marT="34290" marB="34290">
@@ -4816,6 +4272,11 @@
                     <a:noFill/>
                   </a:tcPr>
                 </a:tc>
+                <a:extLst>
+                  <a:ext uri="{0D108BD9-81ED-4DB2-BD59-A6C34878D82A}">
+                    <a16:rowId xmlns:a16="http://schemas.microsoft.com/office/drawing/2014/main" val="10003"/>
+                  </a:ext>
+                </a:extLst>
               </a:tr>
             </a:tbl>
           </a:graphicData>
@@ -4839,10 +4300,9 @@
           <a:lstStyle/>
           <a:p>
             <a:r>
-              <a:rPr lang="zh-CN" altLang="en-US" dirty="0" smtClean="0"/>
+              <a:rPr lang="zh-CN" altLang="en-US" dirty="0"/>
               <a:t>目前完成的测试用例</a:t>
             </a:r>
-            <a:endParaRPr lang="zh-CN" altLang="en-US" dirty="0"/>
           </a:p>
         </p:txBody>
       </p:sp>
@@ -5023,10 +4483,9 @@
           <a:lstStyle/>
           <a:p>
             <a:r>
-              <a:rPr lang="zh-CN" altLang="en-US" dirty="0" smtClean="0"/>
+              <a:rPr lang="zh-CN" altLang="en-US" dirty="0"/>
               <a:t>目前完成的测试用例</a:t>
             </a:r>
-            <a:endParaRPr lang="zh-CN" altLang="en-US" dirty="0"/>
           </a:p>
         </p:txBody>
       </p:sp>
@@ -5703,42 +5162,38 @@
           <a:lstStyle/>
           <a:p>
             <a:r>
-              <a:rPr lang="zh-CN" altLang="en-US" dirty="0" smtClean="0"/>
+              <a:rPr lang="zh-CN" altLang="en-US" dirty="0"/>
               <a:t>测试验证点</a:t>
             </a:r>
-            <a:endParaRPr lang="en-US" altLang="zh-CN" dirty="0" smtClean="0"/>
+            <a:endParaRPr lang="en-US" altLang="zh-CN" dirty="0"/>
           </a:p>
           <a:p>
             <a:pPr marL="0" indent="0">
               <a:buNone/>
             </a:pPr>
             <a:r>
-              <a:rPr lang="en-US" altLang="zh-CN" sz="2400" dirty="0" smtClean="0"/>
+              <a:rPr lang="en-US" altLang="zh-CN" sz="2400" dirty="0"/>
               <a:t>	</a:t>
             </a:r>
             <a:r>
-              <a:rPr lang="zh-CN" altLang="en-US" sz="2400" dirty="0" smtClean="0"/>
+              <a:rPr lang="zh-CN" altLang="en-US" sz="2400" dirty="0"/>
               <a:t>目前的用例只是自动化操作的积累，没有测试验证</a:t>
             </a:r>
-            <a:endParaRPr lang="en-US" altLang="zh-CN" sz="2400" dirty="0" smtClean="0"/>
+            <a:endParaRPr lang="en-US" altLang="zh-CN" sz="2400" dirty="0"/>
           </a:p>
           <a:p>
             <a:r>
               <a:rPr lang="zh-CN" altLang="en-US" dirty="0"/>
-              <a:t>用例集的</a:t>
-            </a:r>
-            <a:r>
-              <a:rPr lang="zh-CN" altLang="en-US" dirty="0" smtClean="0"/>
-              <a:t>组织</a:t>
-            </a:r>
-            <a:endParaRPr lang="en-US" altLang="zh-CN" dirty="0" smtClean="0"/>
+              <a:t>用例集的组织</a:t>
+            </a:r>
+            <a:endParaRPr lang="en-US" altLang="zh-CN" dirty="0"/>
           </a:p>
           <a:p>
             <a:pPr marL="0" indent="0">
               <a:buNone/>
             </a:pPr>
             <a:r>
-              <a:rPr lang="en-US" altLang="zh-CN" sz="2800" dirty="0" smtClean="0"/>
+              <a:rPr lang="en-US" altLang="zh-CN" sz="2800" dirty="0"/>
               <a:t>	</a:t>
             </a:r>
             <a:r>
@@ -5759,7 +5214,7 @@
               <a:buNone/>
             </a:pPr>
             <a:r>
-              <a:rPr lang="en-US" altLang="zh-CN" sz="2800" dirty="0" smtClean="0"/>
+              <a:rPr lang="en-US" altLang="zh-CN" sz="2800" dirty="0"/>
               <a:t>	</a:t>
             </a:r>
             <a:r>
@@ -5787,10 +5242,9 @@
           <a:lstStyle/>
           <a:p>
             <a:r>
-              <a:rPr lang="zh-CN" altLang="en-US" dirty="0" smtClean="0"/>
+              <a:rPr lang="zh-CN" altLang="en-US" dirty="0"/>
               <a:t>距离真正的自动化测试还缺少什么？</a:t>
             </a:r>
-            <a:endParaRPr lang="zh-CN" altLang="en-US" dirty="0"/>
           </a:p>
         </p:txBody>
       </p:sp>
@@ -6544,54 +5998,50 @@
           <a:lstStyle/>
           <a:p>
             <a:r>
-              <a:rPr lang="zh-CN" altLang="en-US" dirty="0" smtClean="0"/>
+              <a:rPr lang="zh-CN" altLang="en-US" dirty="0"/>
               <a:t>测试验证点</a:t>
             </a:r>
-            <a:endParaRPr lang="en-US" altLang="zh-CN" dirty="0" smtClean="0"/>
+            <a:endParaRPr lang="en-US" altLang="zh-CN" dirty="0"/>
           </a:p>
           <a:p>
             <a:pPr marL="0" indent="0">
               <a:buNone/>
             </a:pPr>
             <a:r>
-              <a:rPr lang="en-US" altLang="zh-CN" sz="2400" dirty="0" smtClean="0"/>
+              <a:rPr lang="en-US" altLang="zh-CN" sz="2400" dirty="0"/>
               <a:t>	</a:t>
             </a:r>
           </a:p>
           <a:p>
             <a:r>
               <a:rPr lang="zh-CN" altLang="en-US" dirty="0"/>
-              <a:t>用例集的</a:t>
-            </a:r>
-            <a:r>
-              <a:rPr lang="zh-CN" altLang="en-US" dirty="0" smtClean="0"/>
-              <a:t>组织</a:t>
-            </a:r>
-            <a:endParaRPr lang="en-US" altLang="zh-CN" dirty="0" smtClean="0"/>
+              <a:t>用例集的组织</a:t>
+            </a:r>
+            <a:endParaRPr lang="en-US" altLang="zh-CN" dirty="0"/>
           </a:p>
           <a:p>
             <a:pPr marL="0" indent="0">
               <a:buNone/>
             </a:pPr>
             <a:r>
-              <a:rPr lang="en-US" altLang="zh-CN" sz="2800" dirty="0" smtClean="0"/>
+              <a:rPr lang="en-US" altLang="zh-CN" sz="2800" dirty="0"/>
               <a:t>	</a:t>
             </a:r>
-            <a:endParaRPr lang="en-US" altLang="zh-CN" sz="2400" dirty="0" smtClean="0"/>
-          </a:p>
-          <a:p>
-            <a:r>
-              <a:rPr lang="zh-CN" altLang="en-US" dirty="0" smtClean="0"/>
+            <a:endParaRPr lang="en-US" altLang="zh-CN" sz="2400" dirty="0"/>
+          </a:p>
+          <a:p>
+            <a:r>
+              <a:rPr lang="zh-CN" altLang="en-US" dirty="0"/>
               <a:t>测试报告</a:t>
             </a:r>
-            <a:endParaRPr lang="en-US" altLang="zh-CN" dirty="0" smtClean="0"/>
+            <a:endParaRPr lang="en-US" altLang="zh-CN" dirty="0"/>
           </a:p>
           <a:p>
             <a:pPr marL="0" indent="0">
               <a:buNone/>
             </a:pPr>
             <a:r>
-              <a:rPr lang="en-US" altLang="zh-CN" sz="2800" dirty="0" smtClean="0"/>
+              <a:rPr lang="en-US" altLang="zh-CN" sz="2800" dirty="0"/>
               <a:t>	</a:t>
             </a:r>
             <a:endParaRPr lang="zh-CN" altLang="en-US" sz="2400" dirty="0"/>
@@ -6616,10 +6066,9 @@
           <a:lstStyle/>
           <a:p>
             <a:r>
-              <a:rPr lang="zh-CN" altLang="en-US" dirty="0" smtClean="0"/>
+              <a:rPr lang="zh-CN" altLang="en-US" dirty="0"/>
               <a:t>距离真正的自动化测试还缺少什么？</a:t>
             </a:r>
-            <a:endParaRPr lang="zh-CN" altLang="en-US" dirty="0"/>
           </a:p>
         </p:txBody>
       </p:sp>
@@ -6687,11 +6136,11 @@
           <a:lstStyle/>
           <a:p>
             <a:r>
-              <a:rPr lang="zh-CN" altLang="en-US" sz="3200" dirty="0" smtClean="0"/>
+              <a:rPr lang="zh-CN" altLang="en-US" sz="3200" dirty="0"/>
               <a:t>测试框架：</a:t>
             </a:r>
             <a:r>
-              <a:rPr lang="en-US" altLang="zh-CN" sz="3200" dirty="0" err="1" smtClean="0"/>
+              <a:rPr lang="en-US" altLang="zh-CN" sz="3200" dirty="0" err="1"/>
               <a:t>TestNG</a:t>
             </a:r>
             <a:endParaRPr lang="zh-CN" altLang="en-US" sz="3200" dirty="0"/>
@@ -7612,24 +7061,12 @@
               </a:lnSpc>
             </a:pPr>
             <a:r>
-              <a:rPr lang="en-US" altLang="zh-CN" dirty="0" smtClean="0">
-                <a:hlinkClick r:id="rId2"/>
-              </a:rPr>
-              <a:t>http</a:t>
-            </a:r>
-            <a:r>
               <a:rPr lang="en-US" altLang="zh-CN" dirty="0">
                 <a:hlinkClick r:id="rId2"/>
               </a:rPr>
-              <a:t>://testng.org/doc</a:t>
-            </a:r>
-            <a:r>
-              <a:rPr lang="en-US" altLang="zh-CN" dirty="0" smtClean="0">
-                <a:hlinkClick r:id="rId2"/>
-              </a:rPr>
-              <a:t>/</a:t>
-            </a:r>
-            <a:endParaRPr lang="en-US" altLang="zh-CN" dirty="0" smtClean="0"/>
+              <a:t>http://testng.org/doc/</a:t>
+            </a:r>
+            <a:endParaRPr lang="en-US" altLang="zh-CN" dirty="0"/>
           </a:p>
           <a:p>
             <a:pPr>
@@ -7638,11 +7075,11 @@
               </a:lnSpc>
             </a:pPr>
             <a:r>
-              <a:rPr lang="zh-CN" altLang="en-US" dirty="0" smtClean="0"/>
+              <a:rPr lang="zh-CN" altLang="en-US" dirty="0"/>
               <a:t>基于</a:t>
             </a:r>
             <a:r>
-              <a:rPr lang="en-US" altLang="zh-CN" dirty="0" err="1" smtClean="0"/>
+              <a:rPr lang="en-US" altLang="zh-CN" dirty="0" err="1"/>
               <a:t>Junit</a:t>
             </a:r>
             <a:r>
@@ -7650,22 +7087,21 @@
               <a:t>、</a:t>
             </a:r>
             <a:r>
-              <a:rPr lang="en-US" altLang="zh-CN" dirty="0" err="1" smtClean="0"/>
+              <a:rPr lang="en-US" altLang="zh-CN" dirty="0" err="1"/>
               <a:t>Nunit</a:t>
             </a:r>
             <a:r>
-              <a:rPr lang="zh-CN" altLang="en-US" dirty="0" smtClean="0"/>
+              <a:rPr lang="zh-CN" altLang="en-US" dirty="0"/>
               <a:t>并支持注解、数据驱动、多线程执行等特性的</a:t>
             </a:r>
             <a:r>
-              <a:rPr lang="en-US" altLang="zh-CN" dirty="0" smtClean="0"/>
+              <a:rPr lang="en-US" altLang="zh-CN" dirty="0"/>
               <a:t>Java</a:t>
             </a:r>
             <a:r>
-              <a:rPr lang="zh-CN" altLang="en-US" dirty="0" smtClean="0"/>
+              <a:rPr lang="zh-CN" altLang="en-US" dirty="0"/>
               <a:t>测试框架</a:t>
             </a:r>
-            <a:endParaRPr lang="zh-CN" altLang="en-US" dirty="0"/>
           </a:p>
         </p:txBody>
       </p:sp>
@@ -7687,14 +7123,13 @@
           <a:lstStyle/>
           <a:p>
             <a:r>
-              <a:rPr lang="en-US" altLang="zh-CN" dirty="0" err="1" smtClean="0"/>
+              <a:rPr lang="en-US" altLang="zh-CN" dirty="0" err="1"/>
               <a:t>TestNG</a:t>
             </a:r>
             <a:r>
-              <a:rPr lang="zh-CN" altLang="en-US" dirty="0" smtClean="0"/>
+              <a:rPr lang="zh-CN" altLang="en-US" dirty="0"/>
               <a:t>简介</a:t>
             </a:r>
-            <a:endParaRPr lang="zh-CN" altLang="en-US" dirty="0"/>
           </a:p>
         </p:txBody>
       </p:sp>
@@ -8015,7 +7450,7 @@
         <p:spPr>
           <a:xfrm>
             <a:off x="457994" y="555526"/>
-            <a:ext cx="8229600" cy="3816424"/>
+            <a:ext cx="8578502" cy="3816424"/>
           </a:xfrm>
         </p:spPr>
         <p:txBody>
@@ -8025,30 +7460,30 @@
           <a:lstStyle/>
           <a:p>
             <a:r>
-              <a:rPr lang="en-US" altLang="zh-CN" dirty="0" smtClean="0"/>
+              <a:rPr lang="en-US" altLang="zh-CN" dirty="0"/>
               <a:t>JDK5</a:t>
             </a:r>
             <a:r>
-              <a:rPr lang="zh-CN" altLang="en-US" dirty="0" smtClean="0"/>
+              <a:rPr lang="zh-CN" altLang="en-US" dirty="0"/>
               <a:t>引入</a:t>
             </a:r>
             <a:r>
-              <a:rPr lang="en-US" altLang="zh-CN" dirty="0" smtClean="0"/>
+              <a:rPr lang="en-US" altLang="zh-CN" dirty="0"/>
               <a:t>JAVA</a:t>
             </a:r>
             <a:r>
-              <a:rPr lang="zh-CN" altLang="en-US" dirty="0" smtClean="0"/>
+              <a:rPr lang="zh-CN" altLang="en-US" dirty="0"/>
               <a:t>，</a:t>
             </a:r>
             <a:r>
-              <a:rPr lang="en-US" altLang="zh-CN" dirty="0" err="1" smtClean="0"/>
+              <a:rPr lang="en-US" altLang="zh-CN" dirty="0" err="1"/>
               <a:t>TestNG</a:t>
             </a:r>
             <a:r>
-              <a:rPr lang="zh-CN" altLang="en-US" dirty="0" smtClean="0"/>
+              <a:rPr lang="zh-CN" altLang="en-US" dirty="0"/>
               <a:t>用以方便的标注测试方法和组件</a:t>
             </a:r>
-            <a:endParaRPr lang="en-US" altLang="zh-CN" dirty="0" smtClean="0"/>
+            <a:endParaRPr lang="en-US" altLang="zh-CN" dirty="0"/>
           </a:p>
           <a:p>
             <a:pPr marL="0" indent="0">
@@ -8058,14 +7493,14 @@
               <a:buNone/>
             </a:pPr>
             <a:r>
-              <a:rPr lang="en-US" altLang="zh-CN" sz="2400" dirty="0" smtClean="0"/>
+              <a:rPr lang="en-US" altLang="zh-CN" sz="2400" dirty="0"/>
               <a:t>@Test </a:t>
             </a:r>
             <a:r>
-              <a:rPr lang="zh-CN" altLang="en-US" sz="2400" dirty="0" smtClean="0"/>
+              <a:rPr lang="zh-CN" altLang="en-US" sz="2400" dirty="0"/>
               <a:t>标注测试方法</a:t>
             </a:r>
-            <a:endParaRPr lang="en-US" altLang="zh-CN" sz="2400" dirty="0" smtClean="0"/>
+            <a:endParaRPr lang="en-US" altLang="zh-CN" sz="2400" dirty="0"/>
           </a:p>
           <a:p>
             <a:pPr marL="0" indent="0">
@@ -8079,19 +7514,19 @@
               <a:t>@</a:t>
             </a:r>
             <a:r>
-              <a:rPr lang="en-US" altLang="zh-CN" sz="2400" dirty="0" err="1" smtClean="0"/>
+              <a:rPr lang="en-US" altLang="zh-CN" sz="2400" dirty="0" err="1"/>
               <a:t>BeforeTest</a:t>
             </a:r>
             <a:r>
-              <a:rPr lang="en-US" altLang="zh-CN" sz="2400" dirty="0" smtClean="0"/>
+              <a:rPr lang="en-US" altLang="zh-CN" sz="2400" dirty="0"/>
               <a:t> </a:t>
             </a:r>
             <a:r>
-              <a:rPr lang="zh-CN" altLang="en-US" sz="2400" dirty="0" smtClean="0"/>
+              <a:rPr lang="zh-CN" altLang="en-US" sz="2400" dirty="0"/>
               <a:t>标注</a:t>
             </a:r>
             <a:r>
-              <a:rPr lang="zh-CN" altLang="en-US" sz="2400" dirty="0" smtClean="0">
+              <a:rPr lang="zh-CN" altLang="en-US" sz="2400" dirty="0">
                 <a:solidFill>
                   <a:srgbClr val="FF0000"/>
                 </a:solidFill>
@@ -8099,10 +7534,10 @@
               <a:t>全部测试方法</a:t>
             </a:r>
             <a:r>
-              <a:rPr lang="zh-CN" altLang="en-US" sz="2400" dirty="0" smtClean="0"/>
+              <a:rPr lang="zh-CN" altLang="en-US" sz="2400" dirty="0"/>
               <a:t>执行前需要执行的方法</a:t>
             </a:r>
-            <a:endParaRPr lang="en-US" altLang="zh-CN" sz="2400" dirty="0" smtClean="0"/>
+            <a:endParaRPr lang="en-US" altLang="zh-CN" sz="2400" dirty="0"/>
           </a:p>
           <a:p>
             <a:pPr marL="0" indent="0">
@@ -8112,23 +7547,23 @@
               <a:buNone/>
             </a:pPr>
             <a:r>
-              <a:rPr lang="en-US" altLang="zh-CN" sz="2400" dirty="0" smtClean="0"/>
+              <a:rPr lang="en-US" altLang="zh-CN" sz="2400" dirty="0"/>
               <a:t>@</a:t>
             </a:r>
             <a:r>
-              <a:rPr lang="en-US" altLang="zh-CN" sz="2400" dirty="0" err="1" smtClean="0"/>
+              <a:rPr lang="en-US" altLang="zh-CN" sz="2400" dirty="0" err="1"/>
               <a:t>AfterClass</a:t>
             </a:r>
             <a:r>
-              <a:rPr lang="en-US" altLang="zh-CN" sz="2400" dirty="0" smtClean="0"/>
+              <a:rPr lang="en-US" altLang="zh-CN" sz="2400" dirty="0"/>
               <a:t> </a:t>
             </a:r>
             <a:r>
-              <a:rPr lang="zh-CN" altLang="en-US" sz="2400" dirty="0" smtClean="0"/>
+              <a:rPr lang="zh-CN" altLang="en-US" sz="2400" dirty="0"/>
               <a:t>标注</a:t>
             </a:r>
             <a:r>
-              <a:rPr lang="zh-CN" altLang="en-US" sz="2400" dirty="0" smtClean="0">
+              <a:rPr lang="zh-CN" altLang="en-US" sz="2400" dirty="0">
                 <a:solidFill>
                   <a:srgbClr val="FF0000"/>
                 </a:solidFill>
@@ -8136,10 +7571,10 @@
               <a:t>测试类</a:t>
             </a:r>
             <a:r>
-              <a:rPr lang="zh-CN" altLang="en-US" sz="2400" dirty="0" smtClean="0"/>
+              <a:rPr lang="zh-CN" altLang="en-US" sz="2400" dirty="0"/>
               <a:t>全部方法执行之后需执行的方法</a:t>
             </a:r>
-            <a:endParaRPr lang="en-US" altLang="zh-CN" sz="2400" dirty="0" smtClean="0"/>
+            <a:endParaRPr lang="en-US" altLang="zh-CN" sz="2400" dirty="0"/>
           </a:p>
           <a:p>
             <a:pPr marL="0" indent="0">
@@ -8149,22 +7584,22 @@
               <a:buNone/>
             </a:pPr>
             <a:r>
-              <a:rPr lang="en-US" altLang="zh-CN" sz="2400" dirty="0" smtClean="0"/>
+              <a:rPr lang="en-US" altLang="zh-CN" sz="2400" dirty="0"/>
               <a:t>@</a:t>
             </a:r>
             <a:r>
-              <a:rPr lang="en-US" altLang="zh-CN" sz="2400" dirty="0" err="1" smtClean="0"/>
+              <a:rPr lang="en-US" altLang="zh-CN" sz="2400" dirty="0" err="1"/>
               <a:t>DataProvider</a:t>
             </a:r>
             <a:r>
-              <a:rPr lang="en-US" altLang="zh-CN" sz="2400" dirty="0" smtClean="0"/>
+              <a:rPr lang="en-US" altLang="zh-CN" sz="2400" dirty="0"/>
               <a:t> </a:t>
             </a:r>
             <a:r>
-              <a:rPr lang="zh-CN" altLang="en-US" sz="2400" dirty="0" smtClean="0"/>
+              <a:rPr lang="zh-CN" altLang="en-US" sz="2400" dirty="0"/>
               <a:t>数据驱动</a:t>
             </a:r>
-            <a:endParaRPr lang="en-US" altLang="zh-CN" sz="2400" dirty="0" smtClean="0"/>
+            <a:endParaRPr lang="en-US" altLang="zh-CN" sz="2400" dirty="0"/>
           </a:p>
           <a:p>
             <a:pPr marL="0" indent="0">
@@ -8174,7 +7609,7 @@
               <a:buNone/>
             </a:pPr>
             <a:r>
-              <a:rPr lang="zh-CN" altLang="en-US" sz="2400" dirty="0" smtClean="0">
+              <a:rPr lang="zh-CN" altLang="en-US" sz="2400" dirty="0">
                 <a:solidFill>
                   <a:srgbClr val="FF0000"/>
                 </a:solidFill>
@@ -8195,25 +7630,17 @@
                   <a:srgbClr val="FF0000"/>
                 </a:solidFill>
               </a:rPr>
-              <a:t>执行测试方法之前，都会重新实例化测试</a:t>
-            </a:r>
-            <a:r>
-              <a:rPr lang="zh-CN" altLang="en-US" sz="2000" dirty="0" smtClean="0">
-                <a:solidFill>
-                  <a:srgbClr val="FF0000"/>
-                </a:solidFill>
-              </a:rPr>
-              <a:t>类</a:t>
-            </a:r>
-            <a:r>
-              <a:rPr lang="zh-CN" altLang="en-US" sz="2400" dirty="0" smtClean="0">
+              <a:t>执行测试方法之前，都会重新实例化测试类</a:t>
+            </a:r>
+            <a:r>
+              <a:rPr lang="zh-CN" altLang="en-US" sz="2400" dirty="0">
                 <a:solidFill>
                   <a:srgbClr val="FF0000"/>
                 </a:solidFill>
               </a:rPr>
               <a:t> </a:t>
             </a:r>
-            <a:endParaRPr lang="en-US" altLang="zh-CN" sz="2400" dirty="0" smtClean="0">
+            <a:endParaRPr lang="en-US" altLang="zh-CN" sz="2400" dirty="0">
               <a:solidFill>
                 <a:srgbClr val="FF0000"/>
               </a:solidFill>
@@ -8227,7 +7654,7 @@
               <a:buNone/>
             </a:pPr>
             <a:r>
-              <a:rPr lang="en-US" altLang="zh-CN" sz="2400" dirty="0" smtClean="0"/>
+              <a:rPr lang="en-US" altLang="zh-CN" sz="2400" dirty="0"/>
               <a:t>……</a:t>
             </a:r>
             <a:endParaRPr lang="zh-CN" altLang="en-US" sz="2400" dirty="0"/>
@@ -8252,22 +7679,21 @@
           <a:lstStyle/>
           <a:p>
             <a:r>
-              <a:rPr lang="en-US" altLang="zh-CN" dirty="0" err="1" smtClean="0"/>
+              <a:rPr lang="en-US" altLang="zh-CN" dirty="0" err="1"/>
               <a:t>TestNG</a:t>
             </a:r>
             <a:r>
-              <a:rPr lang="zh-CN" altLang="en-US" dirty="0" smtClean="0"/>
+              <a:rPr lang="zh-CN" altLang="en-US" dirty="0"/>
               <a:t>基础：注解（</a:t>
             </a:r>
             <a:r>
-              <a:rPr lang="en-US" altLang="zh-CN" dirty="0" smtClean="0"/>
+              <a:rPr lang="en-US" altLang="zh-CN" dirty="0"/>
               <a:t>Annotation</a:t>
             </a:r>
             <a:r>
-              <a:rPr lang="zh-CN" altLang="en-US" dirty="0" smtClean="0"/>
+              <a:rPr lang="zh-CN" altLang="en-US" dirty="0"/>
               <a:t>）</a:t>
             </a:r>
-            <a:endParaRPr lang="zh-CN" altLang="en-US" dirty="0"/>
           </a:p>
         </p:txBody>
       </p:sp>
@@ -8313,15 +7739,15 @@
           </a:p>
           <a:p>
             <a:r>
-              <a:rPr lang="en-US" altLang="zh-CN" dirty="0" smtClean="0"/>
+              <a:rPr lang="en-US" altLang="zh-CN" dirty="0"/>
               <a:t>	</a:t>
             </a:r>
             <a:r>
-              <a:rPr lang="en-US" altLang="zh-CN" dirty="0" err="1" smtClean="0"/>
+              <a:rPr lang="en-US" altLang="zh-CN" dirty="0" err="1"/>
               <a:t>System.</a:t>
             </a:r>
             <a:r>
-              <a:rPr lang="en-US" altLang="zh-CN" b="1" i="1" dirty="0" err="1" smtClean="0"/>
+              <a:rPr lang="en-US" altLang="zh-CN" b="1" i="1" dirty="0" err="1"/>
               <a:t>out.println</a:t>
             </a:r>
             <a:r>
@@ -8785,7 +8211,7 @@
               <a:buNone/>
             </a:pPr>
             <a:r>
-              <a:rPr lang="en-US" altLang="zh-CN" sz="2400" dirty="0" err="1" smtClean="0"/>
+              <a:rPr lang="en-US" altLang="zh-CN" sz="2400" dirty="0" err="1"/>
               <a:t>org.testng.Assert</a:t>
             </a:r>
             <a:endParaRPr lang="en-US" altLang="zh-CN" sz="2400" dirty="0"/>
@@ -8795,25 +8221,21 @@
               <a:buNone/>
             </a:pPr>
             <a:r>
-              <a:rPr lang="en-US" altLang="zh-CN" sz="2400" dirty="0" smtClean="0"/>
+              <a:rPr lang="en-US" altLang="zh-CN" sz="2400" dirty="0"/>
               <a:t>fail</a:t>
             </a:r>
             <a:r>
               <a:rPr lang="zh-CN" altLang="en-US" sz="2400" dirty="0"/>
-              <a:t> </a:t>
-            </a:r>
-            <a:r>
-              <a:rPr lang="zh-CN" altLang="en-US" sz="2400" dirty="0" smtClean="0"/>
-              <a:t>直接失败测试用例</a:t>
-            </a:r>
-            <a:endParaRPr lang="en-US" altLang="zh-CN" sz="2400" dirty="0" smtClean="0"/>
+              <a:t> 直接失败测试用例</a:t>
+            </a:r>
+            <a:endParaRPr lang="en-US" altLang="zh-CN" sz="2400" dirty="0"/>
           </a:p>
           <a:p>
             <a:pPr marL="0" indent="0">
               <a:buNone/>
             </a:pPr>
             <a:r>
-              <a:rPr lang="en-US" altLang="zh-CN" sz="2400" dirty="0" err="1" smtClean="0"/>
+              <a:rPr lang="en-US" altLang="zh-CN" sz="2400" dirty="0" err="1"/>
               <a:t>assertTrue</a:t>
             </a:r>
             <a:r>
@@ -8821,11 +8243,11 @@
               <a:t>	</a:t>
             </a:r>
             <a:r>
-              <a:rPr lang="zh-CN" altLang="en-US" sz="2400" dirty="0" smtClean="0"/>
+              <a:rPr lang="zh-CN" altLang="en-US" sz="2400" dirty="0"/>
               <a:t>判断是否为</a:t>
             </a:r>
             <a:r>
-              <a:rPr lang="en-US" altLang="zh-CN" sz="2400" dirty="0" smtClean="0"/>
+              <a:rPr lang="en-US" altLang="zh-CN" sz="2400" dirty="0"/>
               <a:t>true</a:t>
             </a:r>
           </a:p>
@@ -8834,7 +8256,7 @@
               <a:buNone/>
             </a:pPr>
             <a:r>
-              <a:rPr lang="en-US" altLang="zh-CN" sz="2400" dirty="0" err="1" smtClean="0"/>
+              <a:rPr lang="en-US" altLang="zh-CN" sz="2400" dirty="0" err="1"/>
               <a:t>assertNull</a:t>
             </a:r>
             <a:r>
@@ -8842,40 +8264,31 @@
               <a:t>	</a:t>
             </a:r>
             <a:r>
-              <a:rPr lang="zh-CN" altLang="en-US" sz="2400" dirty="0" smtClean="0"/>
-              <a:t>判断</a:t>
-            </a:r>
-            <a:r>
               <a:rPr lang="zh-CN" altLang="en-US" sz="2400" dirty="0"/>
-              <a:t>是否</a:t>
-            </a:r>
-            <a:r>
-              <a:rPr lang="zh-CN" altLang="en-US" sz="2400" dirty="0" smtClean="0"/>
-              <a:t>为</a:t>
-            </a:r>
-            <a:r>
-              <a:rPr lang="en-US" altLang="zh-CN" sz="2400" dirty="0" smtClean="0"/>
+              <a:t>判断是否为</a:t>
+            </a:r>
+            <a:r>
+              <a:rPr lang="en-US" altLang="zh-CN" sz="2400" dirty="0"/>
               <a:t>null</a:t>
             </a:r>
-            <a:endParaRPr lang="en-US" altLang="zh-CN" sz="2400" dirty="0"/>
           </a:p>
           <a:p>
             <a:pPr marL="0" indent="0">
               <a:buNone/>
             </a:pPr>
             <a:r>
-              <a:rPr lang="en-US" altLang="zh-CN" sz="2400" dirty="0" err="1" smtClean="0"/>
+              <a:rPr lang="en-US" altLang="zh-CN" sz="2400" dirty="0" err="1"/>
               <a:t>assertEquals</a:t>
             </a:r>
             <a:r>
-              <a:rPr lang="en-US" altLang="zh-CN" sz="2400" dirty="0" smtClean="0"/>
+              <a:rPr lang="en-US" altLang="zh-CN" sz="2400" dirty="0"/>
               <a:t>	</a:t>
             </a:r>
             <a:r>
-              <a:rPr lang="zh-CN" altLang="en-US" sz="2400" dirty="0" smtClean="0"/>
+              <a:rPr lang="zh-CN" altLang="en-US" sz="2400" dirty="0"/>
               <a:t>判断是否相等</a:t>
             </a:r>
-            <a:endParaRPr lang="en-US" altLang="zh-CN" sz="2400" dirty="0" smtClean="0"/>
+            <a:endParaRPr lang="en-US" altLang="zh-CN" sz="2400" dirty="0"/>
           </a:p>
           <a:p>
             <a:pPr marL="0" indent="0">
@@ -8906,22 +8319,21 @@
           <a:lstStyle/>
           <a:p>
             <a:r>
-              <a:rPr lang="en-US" altLang="zh-CN" dirty="0" err="1" smtClean="0"/>
+              <a:rPr lang="en-US" altLang="zh-CN" dirty="0" err="1"/>
               <a:t>TestNG</a:t>
             </a:r>
             <a:r>
-              <a:rPr lang="zh-CN" altLang="en-US" dirty="0" smtClean="0"/>
+              <a:rPr lang="zh-CN" altLang="en-US" dirty="0"/>
               <a:t>基础：断言（</a:t>
             </a:r>
             <a:r>
-              <a:rPr lang="en-US" altLang="zh-CN" dirty="0" smtClean="0"/>
+              <a:rPr lang="en-US" altLang="zh-CN" dirty="0"/>
               <a:t>Assert</a:t>
             </a:r>
             <a:r>
-              <a:rPr lang="zh-CN" altLang="en-US" dirty="0" smtClean="0"/>
+              <a:rPr lang="zh-CN" altLang="en-US" dirty="0"/>
               <a:t>）</a:t>
             </a:r>
-            <a:endParaRPr lang="zh-CN" altLang="en-US" dirty="0"/>
           </a:p>
         </p:txBody>
       </p:sp>
